--- a/Python summer camp.pptx
+++ b/Python summer camp.pptx
@@ -13,8 +13,21 @@
     <p:sldId id="267" r:id="rId7"/>
     <p:sldId id="264" r:id="rId8"/>
     <p:sldId id="265" r:id="rId9"/>
-    <p:sldId id="266" r:id="rId10"/>
-    <p:sldId id="260" r:id="rId11"/>
+    <p:sldId id="271" r:id="rId10"/>
+    <p:sldId id="270" r:id="rId11"/>
+    <p:sldId id="268" r:id="rId12"/>
+    <p:sldId id="266" r:id="rId13"/>
+    <p:sldId id="269" r:id="rId14"/>
+    <p:sldId id="260" r:id="rId15"/>
+    <p:sldId id="272" r:id="rId16"/>
+    <p:sldId id="274" r:id="rId17"/>
+    <p:sldId id="275" r:id="rId18"/>
+    <p:sldId id="277" r:id="rId19"/>
+    <p:sldId id="279" r:id="rId20"/>
+    <p:sldId id="278" r:id="rId21"/>
+    <p:sldId id="281" r:id="rId22"/>
+    <p:sldId id="276" r:id="rId23"/>
+    <p:sldId id="273" r:id="rId24"/>
   </p:sldIdLst>
   <p:sldSz cx="12192000" cy="6858000"/>
   <p:notesSz cx="6858000" cy="9144000"/>
@@ -130,8 +143,21 @@
             <p14:sldId id="267"/>
             <p14:sldId id="264"/>
             <p14:sldId id="265"/>
+            <p14:sldId id="271"/>
+            <p14:sldId id="270"/>
+            <p14:sldId id="268"/>
             <p14:sldId id="266"/>
+            <p14:sldId id="269"/>
             <p14:sldId id="260"/>
+            <p14:sldId id="272"/>
+            <p14:sldId id="274"/>
+            <p14:sldId id="275"/>
+            <p14:sldId id="277"/>
+            <p14:sldId id="279"/>
+            <p14:sldId id="278"/>
+            <p14:sldId id="281"/>
+            <p14:sldId id="276"/>
+            <p14:sldId id="273"/>
           </p14:sldIdLst>
         </p14:section>
       </p14:sectionLst>
@@ -290,7 +316,7 @@
           <a:p>
             <a:fld id="{9CD4FB3B-D271-47C4-8DEB-FC056B76C3B0}" type="datetimeFigureOut">
               <a:rPr lang="en-US" smtClean="0"/>
-              <a:t>6/28/2020</a:t>
+              <a:t>7/15/2020</a:t>
             </a:fld>
             <a:endParaRPr lang="en-US"/>
           </a:p>
@@ -488,7 +514,7 @@
           <a:p>
             <a:fld id="{9CD4FB3B-D271-47C4-8DEB-FC056B76C3B0}" type="datetimeFigureOut">
               <a:rPr lang="en-US" smtClean="0"/>
-              <a:t>6/28/2020</a:t>
+              <a:t>7/15/2020</a:t>
             </a:fld>
             <a:endParaRPr lang="en-US"/>
           </a:p>
@@ -696,7 +722,7 @@
           <a:p>
             <a:fld id="{9CD4FB3B-D271-47C4-8DEB-FC056B76C3B0}" type="datetimeFigureOut">
               <a:rPr lang="en-US" smtClean="0"/>
-              <a:t>6/28/2020</a:t>
+              <a:t>7/15/2020</a:t>
             </a:fld>
             <a:endParaRPr lang="en-US"/>
           </a:p>
@@ -894,7 +920,7 @@
           <a:p>
             <a:fld id="{9CD4FB3B-D271-47C4-8DEB-FC056B76C3B0}" type="datetimeFigureOut">
               <a:rPr lang="en-US" smtClean="0"/>
-              <a:t>6/28/2020</a:t>
+              <a:t>7/15/2020</a:t>
             </a:fld>
             <a:endParaRPr lang="en-US"/>
           </a:p>
@@ -1169,7 +1195,7 @@
           <a:p>
             <a:fld id="{9CD4FB3B-D271-47C4-8DEB-FC056B76C3B0}" type="datetimeFigureOut">
               <a:rPr lang="en-US" smtClean="0"/>
-              <a:t>6/28/2020</a:t>
+              <a:t>7/15/2020</a:t>
             </a:fld>
             <a:endParaRPr lang="en-US"/>
           </a:p>
@@ -1434,7 +1460,7 @@
           <a:p>
             <a:fld id="{9CD4FB3B-D271-47C4-8DEB-FC056B76C3B0}" type="datetimeFigureOut">
               <a:rPr lang="en-US" smtClean="0"/>
-              <a:t>6/28/2020</a:t>
+              <a:t>7/15/2020</a:t>
             </a:fld>
             <a:endParaRPr lang="en-US"/>
           </a:p>
@@ -1846,7 +1872,7 @@
           <a:p>
             <a:fld id="{9CD4FB3B-D271-47C4-8DEB-FC056B76C3B0}" type="datetimeFigureOut">
               <a:rPr lang="en-US" smtClean="0"/>
-              <a:t>6/28/2020</a:t>
+              <a:t>7/15/2020</a:t>
             </a:fld>
             <a:endParaRPr lang="en-US"/>
           </a:p>
@@ -1987,7 +2013,7 @@
           <a:p>
             <a:fld id="{9CD4FB3B-D271-47C4-8DEB-FC056B76C3B0}" type="datetimeFigureOut">
               <a:rPr lang="en-US" smtClean="0"/>
-              <a:t>6/28/2020</a:t>
+              <a:t>7/15/2020</a:t>
             </a:fld>
             <a:endParaRPr lang="en-US"/>
           </a:p>
@@ -2100,7 +2126,7 @@
           <a:p>
             <a:fld id="{9CD4FB3B-D271-47C4-8DEB-FC056B76C3B0}" type="datetimeFigureOut">
               <a:rPr lang="en-US" smtClean="0"/>
-              <a:t>6/28/2020</a:t>
+              <a:t>7/15/2020</a:t>
             </a:fld>
             <a:endParaRPr lang="en-US"/>
           </a:p>
@@ -2411,7 +2437,7 @@
           <a:p>
             <a:fld id="{9CD4FB3B-D271-47C4-8DEB-FC056B76C3B0}" type="datetimeFigureOut">
               <a:rPr lang="en-US" smtClean="0"/>
-              <a:t>6/28/2020</a:t>
+              <a:t>7/15/2020</a:t>
             </a:fld>
             <a:endParaRPr lang="en-US"/>
           </a:p>
@@ -2699,7 +2725,7 @@
           <a:p>
             <a:fld id="{9CD4FB3B-D271-47C4-8DEB-FC056B76C3B0}" type="datetimeFigureOut">
               <a:rPr lang="en-US" smtClean="0"/>
-              <a:t>6/28/2020</a:t>
+              <a:t>7/15/2020</a:t>
             </a:fld>
             <a:endParaRPr lang="en-US"/>
           </a:p>
@@ -2940,7 +2966,7 @@
           <a:p>
             <a:fld id="{9CD4FB3B-D271-47C4-8DEB-FC056B76C3B0}" type="datetimeFigureOut">
               <a:rPr lang="en-US" smtClean="0"/>
-              <a:t>6/28/2020</a:t>
+              <a:t>7/15/2020</a:t>
             </a:fld>
             <a:endParaRPr lang="en-US"/>
           </a:p>
@@ -3447,7 +3473,7 @@
           <p:cNvPr id="2" name="Title 1">
             <a:extLst>
               <a:ext uri="{FF2B5EF4-FFF2-40B4-BE49-F238E27FC236}">
-                <a16:creationId xmlns:a16="http://schemas.microsoft.com/office/drawing/2014/main" id="{4074F602-91D1-4156-BDE4-9AF8465C73E7}"/>
+                <a16:creationId xmlns:a16="http://schemas.microsoft.com/office/drawing/2014/main" id="{5BA1A3A1-D7CD-4AD9-A85D-0A669F93D214}"/>
               </a:ext>
             </a:extLst>
           </p:cNvPr>
@@ -3458,40 +3484,605 @@
             <p:ph type="title"/>
           </p:nvPr>
         </p:nvSpPr>
+        <p:spPr/>
+        <p:txBody>
+          <a:bodyPr/>
+          <a:lstStyle/>
+          <a:p>
+            <a:r>
+              <a:rPr lang="en-US" dirty="0">
+                <a:latin typeface="Agency FB" panose="020B0503020202020204" pitchFamily="34" charset="0"/>
+              </a:rPr>
+              <a:t>Python Summer Camp: Lesson 2</a:t>
+            </a:r>
+            <a:endParaRPr lang="en-US" dirty="0"/>
+          </a:p>
+        </p:txBody>
+      </p:sp>
+      <p:sp>
+        <p:nvSpPr>
+          <p:cNvPr id="3" name="Content Placeholder 2">
+            <a:extLst>
+              <a:ext uri="{FF2B5EF4-FFF2-40B4-BE49-F238E27FC236}">
+                <a16:creationId xmlns:a16="http://schemas.microsoft.com/office/drawing/2014/main" id="{C78F741B-08AD-4E8C-BE6D-A2A3BF0F0038}"/>
+              </a:ext>
+            </a:extLst>
+          </p:cNvPr>
+          <p:cNvSpPr>
+            <a:spLocks noGrp="1"/>
+          </p:cNvSpPr>
+          <p:nvPr>
+            <p:ph idx="1"/>
+          </p:nvPr>
+        </p:nvSpPr>
+        <p:spPr/>
+        <p:txBody>
+          <a:bodyPr>
+            <a:normAutofit fontScale="92500" lnSpcReduction="10000"/>
+          </a:bodyPr>
+          <a:lstStyle/>
+          <a:p>
+            <a:pPr marL="0" indent="0">
+              <a:buNone/>
+            </a:pPr>
+            <a:r>
+              <a:rPr lang="en-US" altLang="zh-CN" dirty="0">
+                <a:latin typeface="Agency FB" panose="020B0503020202020204" pitchFamily="34" charset="0"/>
+              </a:rPr>
+              <a:t> </a:t>
+            </a:r>
+          </a:p>
+          <a:p>
+            <a:r>
+              <a:rPr lang="en-US" altLang="zh-CN" dirty="0">
+                <a:latin typeface="Agency FB" panose="020B0503020202020204" pitchFamily="34" charset="0"/>
+              </a:rPr>
+              <a:t>1. Survey..</a:t>
+            </a:r>
+          </a:p>
+          <a:p>
+            <a:r>
+              <a:rPr lang="en-US" dirty="0">
+                <a:latin typeface="Agency FB" panose="020B0503020202020204" pitchFamily="34" charset="0"/>
+              </a:rPr>
+              <a:t>2. Expectation: </a:t>
+            </a:r>
+          </a:p>
+          <a:p>
+            <a:pPr marL="0" indent="0">
+              <a:buNone/>
+            </a:pPr>
+            <a:r>
+              <a:rPr lang="en-US" dirty="0">
+                <a:latin typeface="Agency FB" panose="020B0503020202020204" pitchFamily="34" charset="0"/>
+              </a:rPr>
+              <a:t>	what you want to learn in the class and what you need to practice after class.</a:t>
+            </a:r>
+          </a:p>
+          <a:p>
+            <a:r>
+              <a:rPr lang="en-US" dirty="0">
+                <a:latin typeface="Agency FB" panose="020B0503020202020204" pitchFamily="34" charset="0"/>
+              </a:rPr>
+              <a:t>3. Flow</a:t>
+            </a:r>
+          </a:p>
+          <a:p>
+            <a:r>
+              <a:rPr lang="en-US" dirty="0">
+                <a:latin typeface="Agency FB" panose="020B0503020202020204" pitchFamily="34" charset="0"/>
+              </a:rPr>
+              <a:t>4. </a:t>
+            </a:r>
+            <a:r>
+              <a:rPr lang="en-US" dirty="0" err="1">
+                <a:latin typeface="Agency FB" panose="020B0503020202020204" pitchFamily="34" charset="0"/>
+              </a:rPr>
+              <a:t>Jupyter</a:t>
+            </a:r>
+            <a:r>
+              <a:rPr lang="en-US" dirty="0">
+                <a:latin typeface="Agency FB" panose="020B0503020202020204" pitchFamily="34" charset="0"/>
+              </a:rPr>
+              <a:t> Notebook issues? </a:t>
+            </a:r>
+          </a:p>
+          <a:p>
+            <a:pPr marL="0" indent="0">
+              <a:buNone/>
+            </a:pPr>
+            <a:r>
+              <a:rPr lang="en-US" dirty="0">
+                <a:latin typeface="Agency FB" panose="020B0503020202020204" pitchFamily="34" charset="0"/>
+              </a:rPr>
+              <a:t>       -when </a:t>
+            </a:r>
+            <a:r>
+              <a:rPr lang="en-US" dirty="0" err="1">
+                <a:latin typeface="Agency FB" panose="020B0503020202020204" pitchFamily="34" charset="0"/>
+              </a:rPr>
+              <a:t>Jupytor</a:t>
+            </a:r>
+            <a:r>
+              <a:rPr lang="en-US" dirty="0">
+                <a:latin typeface="Agency FB" panose="020B0503020202020204" pitchFamily="34" charset="0"/>
+              </a:rPr>
+              <a:t> notebook is busy you will see a star (‘*’), and the </a:t>
+            </a:r>
+            <a:r>
+              <a:rPr lang="en-US" dirty="0" err="1">
+                <a:latin typeface="Agency FB" panose="020B0503020202020204" pitchFamily="34" charset="0"/>
+              </a:rPr>
+              <a:t>Jupyter</a:t>
+            </a:r>
+            <a:r>
+              <a:rPr lang="en-US" dirty="0">
+                <a:latin typeface="Agency FB" panose="020B0503020202020204" pitchFamily="34" charset="0"/>
+              </a:rPr>
+              <a:t> notebook is freezing.. You can restart Kernel.</a:t>
+            </a:r>
+          </a:p>
+          <a:p>
+            <a:pPr marL="0" indent="0">
+              <a:buNone/>
+            </a:pPr>
+            <a:r>
+              <a:rPr lang="en-US" dirty="0">
+                <a:latin typeface="Agency FB" panose="020B0503020202020204" pitchFamily="34" charset="0"/>
+              </a:rPr>
+              <a:t>      - When you see </a:t>
+            </a:r>
+            <a:r>
+              <a:rPr lang="en-US" dirty="0" err="1">
+                <a:latin typeface="Agency FB" panose="020B0503020202020204" pitchFamily="34" charset="0"/>
+              </a:rPr>
+              <a:t>notconnecting</a:t>
+            </a:r>
+            <a:r>
+              <a:rPr lang="en-US" dirty="0">
+                <a:latin typeface="Agency FB" panose="020B0503020202020204" pitchFamily="34" charset="0"/>
+              </a:rPr>
+              <a:t> in red, you may need to restarting the Jupiter notebook.</a:t>
+            </a:r>
+          </a:p>
+          <a:p>
+            <a:pPr marL="0" indent="0">
+              <a:buNone/>
+            </a:pPr>
+            <a:r>
+              <a:rPr lang="en-US" dirty="0">
+                <a:latin typeface="Agency FB" panose="020B0503020202020204" pitchFamily="34" charset="0"/>
+              </a:rPr>
+              <a:t>5. GitHub issues. </a:t>
+            </a:r>
+          </a:p>
+        </p:txBody>
+      </p:sp>
+    </p:spTree>
+    <p:extLst>
+      <p:ext uri="{BB962C8B-B14F-4D97-AF65-F5344CB8AC3E}">
+        <p14:creationId xmlns:p14="http://schemas.microsoft.com/office/powerpoint/2010/main" val="1789571609"/>
+      </p:ext>
+    </p:extLst>
+  </p:cSld>
+  <p:clrMapOvr>
+    <a:masterClrMapping/>
+  </p:clrMapOvr>
+</p:sld>
+</file>
+
+<file path=ppt/slides/slide11.xml><?xml version="1.0" encoding="utf-8"?>
+<p:sld xmlns:a="http://schemas.openxmlformats.org/drawingml/2006/main" xmlns:r="http://schemas.openxmlformats.org/officeDocument/2006/relationships" xmlns:p="http://schemas.openxmlformats.org/presentationml/2006/main">
+  <p:cSld>
+    <p:spTree>
+      <p:nvGrpSpPr>
+        <p:cNvPr id="1" name=""/>
+        <p:cNvGrpSpPr/>
+        <p:nvPr/>
+      </p:nvGrpSpPr>
+      <p:grpSpPr>
+        <a:xfrm>
+          <a:off x="0" y="0"/>
+          <a:ext cx="0" cy="0"/>
+          <a:chOff x="0" y="0"/>
+          <a:chExt cx="0" cy="0"/>
+        </a:xfrm>
+      </p:grpSpPr>
+      <p:sp>
+        <p:nvSpPr>
+          <p:cNvPr id="2" name="Title 1">
+            <a:extLst>
+              <a:ext uri="{FF2B5EF4-FFF2-40B4-BE49-F238E27FC236}">
+                <a16:creationId xmlns:a16="http://schemas.microsoft.com/office/drawing/2014/main" id="{B6EE3D28-0B12-40D2-8E69-6D3F786FCD73}"/>
+              </a:ext>
+            </a:extLst>
+          </p:cNvPr>
+          <p:cNvSpPr>
+            <a:spLocks noGrp="1"/>
+          </p:cNvSpPr>
+          <p:nvPr>
+            <p:ph type="title"/>
+          </p:nvPr>
+        </p:nvSpPr>
+        <p:spPr/>
+        <p:txBody>
+          <a:bodyPr/>
+          <a:lstStyle/>
+          <a:p>
+            <a:r>
+              <a:rPr lang="en-US" dirty="0">
+                <a:latin typeface="Agency FB" panose="020B0503020202020204" pitchFamily="34" charset="0"/>
+              </a:rPr>
+              <a:t>Recap: 3 Big ideas we learned from last lesson~</a:t>
+            </a:r>
+          </a:p>
+        </p:txBody>
+      </p:sp>
+      <p:sp>
+        <p:nvSpPr>
+          <p:cNvPr id="3" name="Content Placeholder 2">
+            <a:extLst>
+              <a:ext uri="{FF2B5EF4-FFF2-40B4-BE49-F238E27FC236}">
+                <a16:creationId xmlns:a16="http://schemas.microsoft.com/office/drawing/2014/main" id="{4A9C73B8-502F-4757-B724-AA445714FE6B}"/>
+              </a:ext>
+            </a:extLst>
+          </p:cNvPr>
+          <p:cNvSpPr>
+            <a:spLocks noGrp="1"/>
+          </p:cNvSpPr>
+          <p:nvPr>
+            <p:ph idx="1"/>
+          </p:nvPr>
+        </p:nvSpPr>
+        <p:spPr/>
+        <p:txBody>
+          <a:bodyPr/>
+          <a:lstStyle/>
+          <a:p>
+            <a:r>
+              <a:rPr lang="en-US" dirty="0">
+                <a:solidFill>
+                  <a:srgbClr val="FF0000"/>
+                </a:solidFill>
+                <a:latin typeface="Agency FB" panose="020B0503020202020204" pitchFamily="34" charset="0"/>
+              </a:rPr>
+              <a:t>Storing data with variables.</a:t>
+            </a:r>
+          </a:p>
+          <a:p>
+            <a:r>
+              <a:rPr lang="en-US" dirty="0">
+                <a:solidFill>
+                  <a:srgbClr val="FF99FF"/>
+                </a:solidFill>
+                <a:latin typeface="Agency FB" panose="020B0503020202020204" pitchFamily="34" charset="0"/>
+              </a:rPr>
+              <a:t>Getting data from the users.</a:t>
+            </a:r>
+          </a:p>
+          <a:p>
+            <a:r>
+              <a:rPr lang="en-US" dirty="0">
+                <a:solidFill>
+                  <a:srgbClr val="00B050"/>
+                </a:solidFill>
+                <a:latin typeface="Agency FB" panose="020B0503020202020204" pitchFamily="34" charset="0"/>
+              </a:rPr>
+              <a:t>Outputting data on a screen.</a:t>
+            </a:r>
+          </a:p>
+        </p:txBody>
+      </p:sp>
+      <p:graphicFrame>
+        <p:nvGraphicFramePr>
+          <p:cNvPr id="5" name="Table 5">
+            <a:extLst>
+              <a:ext uri="{FF2B5EF4-FFF2-40B4-BE49-F238E27FC236}">
+                <a16:creationId xmlns:a16="http://schemas.microsoft.com/office/drawing/2014/main" id="{6E534E3B-5CA1-4FB9-B93B-4D95E66363CC}"/>
+              </a:ext>
+            </a:extLst>
+          </p:cNvPr>
+          <p:cNvGraphicFramePr>
+            <a:graphicFrameLocks noGrp="1"/>
+          </p:cNvGraphicFramePr>
+          <p:nvPr>
+            <p:extLst>
+              <p:ext uri="{D42A27DB-BD31-4B8C-83A1-F6EECF244321}">
+                <p14:modId xmlns:p14="http://schemas.microsoft.com/office/powerpoint/2010/main" val="1911428184"/>
+              </p:ext>
+            </p:extLst>
+          </p:nvPr>
+        </p:nvGraphicFramePr>
+        <p:xfrm>
+          <a:off x="1076035" y="3812395"/>
+          <a:ext cx="10515600" cy="2199640"/>
+        </p:xfrm>
+        <a:graphic>
+          <a:graphicData uri="http://schemas.openxmlformats.org/drawingml/2006/table">
+            <a:tbl>
+              <a:tblPr firstRow="1" bandRow="1">
+                <a:tableStyleId>{5C22544A-7EE6-4342-B048-85BDC9FD1C3A}</a:tableStyleId>
+              </a:tblPr>
+              <a:tblGrid>
+                <a:gridCol w="5257800">
+                  <a:extLst>
+                    <a:ext uri="{9D8B030D-6E8A-4147-A177-3AD203B41FA5}">
+                      <a16:colId xmlns:a16="http://schemas.microsoft.com/office/drawing/2014/main" val="2310538852"/>
+                    </a:ext>
+                  </a:extLst>
+                </a:gridCol>
+                <a:gridCol w="5257800">
+                  <a:extLst>
+                    <a:ext uri="{9D8B030D-6E8A-4147-A177-3AD203B41FA5}">
+                      <a16:colId xmlns:a16="http://schemas.microsoft.com/office/drawing/2014/main" val="1781350844"/>
+                    </a:ext>
+                  </a:extLst>
+                </a:gridCol>
+              </a:tblGrid>
+              <a:tr h="370840">
+                <a:tc>
+                  <a:txBody>
+                    <a:bodyPr/>
+                    <a:lstStyle/>
+                    <a:p>
+                      <a:endParaRPr lang="en-US" dirty="0"/>
+                    </a:p>
+                  </a:txBody>
+                  <a:tcPr/>
+                </a:tc>
+                <a:tc>
+                  <a:txBody>
+                    <a:bodyPr/>
+                    <a:lstStyle/>
+                    <a:p>
+                      <a:endParaRPr lang="en-US"/>
+                    </a:p>
+                  </a:txBody>
+                  <a:tcPr/>
+                </a:tc>
+                <a:extLst>
+                  <a:ext uri="{0D108BD9-81ED-4DB2-BD59-A6C34878D82A}">
+                    <a16:rowId xmlns:a16="http://schemas.microsoft.com/office/drawing/2014/main" val="281012639"/>
+                  </a:ext>
+                </a:extLst>
+              </a:tr>
+              <a:tr h="370840">
+                <a:tc>
+                  <a:txBody>
+                    <a:bodyPr/>
+                    <a:lstStyle/>
+                    <a:p>
+                      <a:r>
+                        <a:rPr lang="en-US" dirty="0">
+                          <a:latin typeface="Agency FB" panose="020B0503020202020204" pitchFamily="34" charset="0"/>
+                        </a:rPr>
+                        <a:t>Food=input(‘What is your favorite food?) </a:t>
+                      </a:r>
+                    </a:p>
+                  </a:txBody>
+                  <a:tcPr/>
+                </a:tc>
+                <a:tc>
+                  <a:txBody>
+                    <a:bodyPr/>
+                    <a:lstStyle/>
+                    <a:p>
+                      <a:pPr marL="0" marR="0" lvl="0" indent="0" algn="l" defTabSz="914400" rtl="0" eaLnBrk="1" fontAlgn="auto" latinLnBrk="0" hangingPunct="1">
+                        <a:lnSpc>
+                          <a:spcPct val="100000"/>
+                        </a:lnSpc>
+                        <a:spcBef>
+                          <a:spcPts val="0"/>
+                        </a:spcBef>
+                        <a:spcAft>
+                          <a:spcPts val="0"/>
+                        </a:spcAft>
+                        <a:buClrTx/>
+                        <a:buSzTx/>
+                        <a:buFontTx/>
+                        <a:buNone/>
+                        <a:tabLst/>
+                        <a:defRPr/>
+                      </a:pPr>
+                      <a:r>
+                        <a:rPr lang="en-US" dirty="0">
+                          <a:highlight>
+                            <a:srgbClr val="FFFF00"/>
+                          </a:highlight>
+                          <a:latin typeface="Agency FB" panose="020B0503020202020204" pitchFamily="34" charset="0"/>
+                        </a:rPr>
+                        <a:t>Variable name</a:t>
+                      </a:r>
+                      <a:r>
+                        <a:rPr lang="en-US" dirty="0">
+                          <a:latin typeface="Agency FB" panose="020B0503020202020204" pitchFamily="34" charset="0"/>
+                        </a:rPr>
+                        <a:t>=</a:t>
+                      </a:r>
+                      <a:r>
+                        <a:rPr lang="en-US" dirty="0">
+                          <a:highlight>
+                            <a:srgbClr val="FFFF00"/>
+                          </a:highlight>
+                          <a:latin typeface="Agency FB" panose="020B0503020202020204" pitchFamily="34" charset="0"/>
+                        </a:rPr>
+                        <a:t>input</a:t>
+                      </a:r>
+                      <a:r>
+                        <a:rPr lang="en-US" dirty="0">
+                          <a:latin typeface="Agency FB" panose="020B0503020202020204" pitchFamily="34" charset="0"/>
+                        </a:rPr>
+                        <a:t>(Sentence you want to ask in str)</a:t>
+                      </a:r>
+                    </a:p>
+                    <a:p>
+                      <a:endParaRPr lang="en-US" dirty="0">
+                        <a:latin typeface="Agency FB" panose="020B0503020202020204" pitchFamily="34" charset="0"/>
+                      </a:endParaRPr>
+                    </a:p>
+                  </a:txBody>
+                  <a:tcPr/>
+                </a:tc>
+                <a:extLst>
+                  <a:ext uri="{0D108BD9-81ED-4DB2-BD59-A6C34878D82A}">
+                    <a16:rowId xmlns:a16="http://schemas.microsoft.com/office/drawing/2014/main" val="3070066916"/>
+                  </a:ext>
+                </a:extLst>
+              </a:tr>
+              <a:tr h="370840">
+                <a:tc>
+                  <a:txBody>
+                    <a:bodyPr/>
+                    <a:lstStyle/>
+                    <a:p>
+                      <a:r>
+                        <a:rPr lang="en-US" dirty="0">
+                          <a:highlight>
+                            <a:srgbClr val="FFFF00"/>
+                          </a:highlight>
+                          <a:latin typeface="Agency FB" panose="020B0503020202020204" pitchFamily="34" charset="0"/>
+                        </a:rPr>
+                        <a:t>print</a:t>
+                      </a:r>
+                      <a:r>
+                        <a:rPr lang="en-US" dirty="0">
+                          <a:latin typeface="Agency FB" panose="020B0503020202020204" pitchFamily="34" charset="0"/>
+                        </a:rPr>
+                        <a:t>(‘Hello, world!)</a:t>
+                      </a:r>
+                    </a:p>
+                    <a:p>
+                      <a:r>
+                        <a:rPr lang="en-US" dirty="0">
+                          <a:highlight>
+                            <a:srgbClr val="FFFF00"/>
+                          </a:highlight>
+                          <a:latin typeface="Agency FB" panose="020B0503020202020204" pitchFamily="34" charset="0"/>
+                        </a:rPr>
+                        <a:t>print</a:t>
+                      </a:r>
+                      <a:r>
+                        <a:rPr lang="en-US" dirty="0">
+                          <a:latin typeface="Agency FB" panose="020B0503020202020204" pitchFamily="34" charset="0"/>
+                        </a:rPr>
+                        <a:t>(Food)</a:t>
+                      </a:r>
+                    </a:p>
+                    <a:p>
+                      <a:r>
+                        <a:rPr lang="en-US" dirty="0">
+                          <a:highlight>
+                            <a:srgbClr val="FFFF00"/>
+                          </a:highlight>
+                          <a:latin typeface="Agency FB" panose="020B0503020202020204" pitchFamily="34" charset="0"/>
+                        </a:rPr>
+                        <a:t>print</a:t>
+                      </a:r>
+                      <a:r>
+                        <a:rPr lang="en-US" dirty="0">
+                          <a:latin typeface="Agency FB" panose="020B0503020202020204" pitchFamily="34" charset="0"/>
+                        </a:rPr>
+                        <a:t>(Food+’ is yummy!!’)</a:t>
+                      </a:r>
+                    </a:p>
+                    <a:p>
+                      <a:endParaRPr lang="en-US" dirty="0">
+                        <a:latin typeface="Agency FB" panose="020B0503020202020204" pitchFamily="34" charset="0"/>
+                      </a:endParaRPr>
+                    </a:p>
+                  </a:txBody>
+                  <a:tcPr/>
+                </a:tc>
+                <a:tc>
+                  <a:txBody>
+                    <a:bodyPr/>
+                    <a:lstStyle/>
+                    <a:p>
+                      <a:r>
+                        <a:rPr lang="en-US" dirty="0">
+                          <a:latin typeface="Agency FB" panose="020B0503020202020204" pitchFamily="34" charset="0"/>
+                        </a:rPr>
+                        <a:t>print(), if inside () is a str, then print it as it is.</a:t>
+                      </a:r>
+                    </a:p>
+                    <a:p>
+                      <a:r>
+                        <a:rPr lang="en-US" dirty="0">
+                          <a:latin typeface="Agency FB" panose="020B0503020202020204" pitchFamily="34" charset="0"/>
+                        </a:rPr>
+                        <a:t> If inside() contain variable, need to </a:t>
+                      </a:r>
+                      <a:r>
+                        <a:rPr lang="en-US" dirty="0" err="1">
+                          <a:latin typeface="Agency FB" panose="020B0503020202020204" pitchFamily="34" charset="0"/>
+                        </a:rPr>
+                        <a:t>relace</a:t>
+                      </a:r>
+                      <a:r>
+                        <a:rPr lang="en-US" dirty="0">
+                          <a:latin typeface="Agency FB" panose="020B0503020202020204" pitchFamily="34" charset="0"/>
+                        </a:rPr>
+                        <a:t> variable to its value</a:t>
+                      </a:r>
+                    </a:p>
+                  </a:txBody>
+                  <a:tcPr/>
+                </a:tc>
+                <a:extLst>
+                  <a:ext uri="{0D108BD9-81ED-4DB2-BD59-A6C34878D82A}">
+                    <a16:rowId xmlns:a16="http://schemas.microsoft.com/office/drawing/2014/main" val="2648344392"/>
+                  </a:ext>
+                </a:extLst>
+              </a:tr>
+            </a:tbl>
+          </a:graphicData>
+        </a:graphic>
+      </p:graphicFrame>
+    </p:spTree>
+    <p:extLst>
+      <p:ext uri="{BB962C8B-B14F-4D97-AF65-F5344CB8AC3E}">
+        <p14:creationId xmlns:p14="http://schemas.microsoft.com/office/powerpoint/2010/main" val="1317125662"/>
+      </p:ext>
+    </p:extLst>
+  </p:cSld>
+  <p:clrMapOvr>
+    <a:masterClrMapping/>
+  </p:clrMapOvr>
+</p:sld>
+</file>
+
+<file path=ppt/slides/slide12.xml><?xml version="1.0" encoding="utf-8"?>
+<p:sld xmlns:a="http://schemas.openxmlformats.org/drawingml/2006/main" xmlns:r="http://schemas.openxmlformats.org/officeDocument/2006/relationships" xmlns:p="http://schemas.openxmlformats.org/presentationml/2006/main">
+  <p:cSld>
+    <p:spTree>
+      <p:nvGrpSpPr>
+        <p:cNvPr id="1" name=""/>
+        <p:cNvGrpSpPr/>
+        <p:nvPr/>
+      </p:nvGrpSpPr>
+      <p:grpSpPr>
+        <a:xfrm>
+          <a:off x="0" y="0"/>
+          <a:ext cx="0" cy="0"/>
+          <a:chOff x="0" y="0"/>
+          <a:chExt cx="0" cy="0"/>
+        </a:xfrm>
+      </p:grpSpPr>
+      <p:sp>
+        <p:nvSpPr>
+          <p:cNvPr id="4" name="Rectangle 3">
+            <a:extLst>
+              <a:ext uri="{FF2B5EF4-FFF2-40B4-BE49-F238E27FC236}">
+                <a16:creationId xmlns:a16="http://schemas.microsoft.com/office/drawing/2014/main" id="{9C028B29-B637-4A3F-AD8F-F773F7060213}"/>
+              </a:ext>
+            </a:extLst>
+          </p:cNvPr>
+          <p:cNvSpPr/>
+          <p:nvPr/>
+        </p:nvSpPr>
         <p:spPr>
           <a:xfrm>
-            <a:off x="123306" y="148994"/>
-            <a:ext cx="10515600" cy="1325563"/>
-          </a:xfrm>
-        </p:spPr>
-        <p:txBody>
-          <a:bodyPr/>
-          <a:lstStyle/>
-          <a:p>
-            <a:r>
-              <a:rPr lang="en-US" dirty="0">
-                <a:latin typeface="Agency FB" panose="020B0503020202020204" pitchFamily="34" charset="0"/>
-              </a:rPr>
-              <a:t>Data types</a:t>
-            </a:r>
-          </a:p>
-        </p:txBody>
-      </p:sp>
-      <p:sp>
-        <p:nvSpPr>
-          <p:cNvPr id="4" name="Rectangle 3">
-            <a:extLst>
-              <a:ext uri="{FF2B5EF4-FFF2-40B4-BE49-F238E27FC236}">
-                <a16:creationId xmlns:a16="http://schemas.microsoft.com/office/drawing/2014/main" id="{E5531EEC-EC92-4B69-BABE-EB6EA4AB536D}"/>
-              </a:ext>
-            </a:extLst>
-          </p:cNvPr>
-          <p:cNvSpPr/>
-          <p:nvPr/>
-        </p:nvSpPr>
-        <p:spPr>
-          <a:xfrm>
-            <a:off x="490451" y="2709949"/>
+            <a:off x="1231115" y="2956837"/>
             <a:ext cx="2510444" cy="2992582"/>
           </a:xfrm>
           <a:prstGeom prst="rect">
@@ -3532,7 +4123,7 @@
           <p:cNvPr id="5" name="Rectangle 4">
             <a:extLst>
               <a:ext uri="{FF2B5EF4-FFF2-40B4-BE49-F238E27FC236}">
-                <a16:creationId xmlns:a16="http://schemas.microsoft.com/office/drawing/2014/main" id="{2396BF63-BAAA-45D5-A962-ADB64B01554A}"/>
+                <a16:creationId xmlns:a16="http://schemas.microsoft.com/office/drawing/2014/main" id="{7D21BE05-1154-41B0-86A4-A16BAAB47BDE}"/>
               </a:ext>
             </a:extLst>
           </p:cNvPr>
@@ -3541,7 +4132,7 @@
         </p:nvSpPr>
         <p:spPr>
           <a:xfrm>
-            <a:off x="4125884" y="2709949"/>
+            <a:off x="7467323" y="2801389"/>
             <a:ext cx="2510444" cy="2992582"/>
           </a:xfrm>
           <a:prstGeom prst="rect">
@@ -3549,7 +4140,7 @@
           </a:prstGeom>
           <a:ln w="57150">
             <a:solidFill>
-              <a:srgbClr val="FF0000"/>
+              <a:schemeClr val="accent6"/>
             </a:solidFill>
           </a:ln>
         </p:spPr>
@@ -3576,36 +4167,633 @@
               <a:rPr lang="en-US" sz="3600" dirty="0">
                 <a:latin typeface="Agency FB" panose="020B0503020202020204" pitchFamily="34" charset="0"/>
               </a:rPr>
-              <a:t>Int</a:t>
-            </a:r>
-          </a:p>
-        </p:txBody>
-      </p:sp>
-      <p:sp>
-        <p:nvSpPr>
-          <p:cNvPr id="6" name="Rectangle 5">
-            <a:extLst>
-              <a:ext uri="{FF2B5EF4-FFF2-40B4-BE49-F238E27FC236}">
-                <a16:creationId xmlns:a16="http://schemas.microsoft.com/office/drawing/2014/main" id="{EA8A3842-D87A-4C28-91C0-9A996D27BDDD}"/>
-              </a:ext>
-            </a:extLst>
-          </p:cNvPr>
-          <p:cNvSpPr/>
+              <a:t>Variable</a:t>
+            </a:r>
+          </a:p>
+        </p:txBody>
+      </p:sp>
+      <p:sp>
+        <p:nvSpPr>
+          <p:cNvPr id="6" name="TextBox 5">
+            <a:extLst>
+              <a:ext uri="{FF2B5EF4-FFF2-40B4-BE49-F238E27FC236}">
+                <a16:creationId xmlns:a16="http://schemas.microsoft.com/office/drawing/2014/main" id="{701357EF-9AEB-42C3-955E-29F0E6714964}"/>
+              </a:ext>
+            </a:extLst>
+          </p:cNvPr>
+          <p:cNvSpPr txBox="1"/>
           <p:nvPr/>
         </p:nvSpPr>
         <p:spPr>
           <a:xfrm>
-            <a:off x="7894320" y="2709949"/>
-            <a:ext cx="2510444" cy="2992582"/>
+            <a:off x="1270185" y="3198167"/>
+            <a:ext cx="1216152" cy="461665"/>
           </a:xfrm>
           <a:prstGeom prst="rect">
             <a:avLst/>
           </a:prstGeom>
-          <a:ln w="57150">
-            <a:solidFill>
-              <a:srgbClr val="FFFF00"/>
-            </a:solidFill>
-          </a:ln>
+          <a:solidFill>
+            <a:schemeClr val="accent2">
+              <a:lumMod val="60000"/>
+              <a:lumOff val="40000"/>
+            </a:schemeClr>
+          </a:solidFill>
+        </p:spPr>
+        <p:txBody>
+          <a:bodyPr wrap="square" rtlCol="0">
+            <a:spAutoFit/>
+          </a:bodyPr>
+          <a:lstStyle/>
+          <a:p>
+            <a:r>
+              <a:rPr lang="en-US" sz="2400" dirty="0">
+                <a:latin typeface="Agency FB" panose="020B0503020202020204" pitchFamily="34" charset="0"/>
+              </a:rPr>
+              <a:t>‘Name’</a:t>
+            </a:r>
+          </a:p>
+        </p:txBody>
+      </p:sp>
+      <p:sp>
+        <p:nvSpPr>
+          <p:cNvPr id="7" name="TextBox 6">
+            <a:extLst>
+              <a:ext uri="{FF2B5EF4-FFF2-40B4-BE49-F238E27FC236}">
+                <a16:creationId xmlns:a16="http://schemas.microsoft.com/office/drawing/2014/main" id="{0125454C-F78D-4FF6-96E3-2BD00588D2C8}"/>
+              </a:ext>
+            </a:extLst>
+          </p:cNvPr>
+          <p:cNvSpPr txBox="1"/>
+          <p:nvPr/>
+        </p:nvSpPr>
+        <p:spPr>
+          <a:xfrm>
+            <a:off x="1270185" y="4963397"/>
+            <a:ext cx="1216152" cy="461665"/>
+          </a:xfrm>
+          <a:prstGeom prst="rect">
+            <a:avLst/>
+          </a:prstGeom>
+          <a:solidFill>
+            <a:schemeClr val="accent2">
+              <a:lumMod val="60000"/>
+              <a:lumOff val="40000"/>
+            </a:schemeClr>
+          </a:solidFill>
+        </p:spPr>
+        <p:txBody>
+          <a:bodyPr wrap="square" rtlCol="0">
+            <a:spAutoFit/>
+          </a:bodyPr>
+          <a:lstStyle/>
+          <a:p>
+            <a:r>
+              <a:rPr lang="en-US" sz="2400" dirty="0">
+                <a:latin typeface="Agency FB" panose="020B0503020202020204" pitchFamily="34" charset="0"/>
+              </a:rPr>
+              <a:t>‘Apple’</a:t>
+            </a:r>
+          </a:p>
+        </p:txBody>
+      </p:sp>
+      <p:sp>
+        <p:nvSpPr>
+          <p:cNvPr id="8" name="TextBox 7">
+            <a:extLst>
+              <a:ext uri="{FF2B5EF4-FFF2-40B4-BE49-F238E27FC236}">
+                <a16:creationId xmlns:a16="http://schemas.microsoft.com/office/drawing/2014/main" id="{8E738896-C7C4-4777-8363-F1CDD82F5AE5}"/>
+              </a:ext>
+            </a:extLst>
+          </p:cNvPr>
+          <p:cNvSpPr txBox="1"/>
+          <p:nvPr/>
+        </p:nvSpPr>
+        <p:spPr>
+          <a:xfrm>
+            <a:off x="7647086" y="4682689"/>
+            <a:ext cx="1216152" cy="461665"/>
+          </a:xfrm>
+          <a:prstGeom prst="rect">
+            <a:avLst/>
+          </a:prstGeom>
+          <a:solidFill>
+            <a:schemeClr val="accent2">
+              <a:lumMod val="60000"/>
+              <a:lumOff val="40000"/>
+            </a:schemeClr>
+          </a:solidFill>
+        </p:spPr>
+        <p:txBody>
+          <a:bodyPr wrap="square" rtlCol="0">
+            <a:spAutoFit/>
+          </a:bodyPr>
+          <a:lstStyle/>
+          <a:p>
+            <a:r>
+              <a:rPr lang="en-US" sz="2400" dirty="0">
+                <a:latin typeface="Agency FB" panose="020B0503020202020204" pitchFamily="34" charset="0"/>
+              </a:rPr>
+              <a:t>a</a:t>
+            </a:r>
+          </a:p>
+        </p:txBody>
+      </p:sp>
+      <p:sp>
+        <p:nvSpPr>
+          <p:cNvPr id="9" name="TextBox 8">
+            <a:extLst>
+              <a:ext uri="{FF2B5EF4-FFF2-40B4-BE49-F238E27FC236}">
+                <a16:creationId xmlns:a16="http://schemas.microsoft.com/office/drawing/2014/main" id="{F4F38104-3B2C-4EF5-ACDC-DD161E3623ED}"/>
+              </a:ext>
+            </a:extLst>
+          </p:cNvPr>
+          <p:cNvSpPr txBox="1"/>
+          <p:nvPr/>
+        </p:nvSpPr>
+        <p:spPr>
+          <a:xfrm>
+            <a:off x="1270185" y="3802239"/>
+            <a:ext cx="1216152" cy="461665"/>
+          </a:xfrm>
+          <a:prstGeom prst="rect">
+            <a:avLst/>
+          </a:prstGeom>
+          <a:solidFill>
+            <a:schemeClr val="accent2">
+              <a:lumMod val="60000"/>
+              <a:lumOff val="40000"/>
+            </a:schemeClr>
+          </a:solidFill>
+        </p:spPr>
+        <p:txBody>
+          <a:bodyPr wrap="square" rtlCol="0">
+            <a:spAutoFit/>
+          </a:bodyPr>
+          <a:lstStyle/>
+          <a:p>
+            <a:r>
+              <a:rPr lang="en-US" sz="2400" dirty="0">
+                <a:latin typeface="Agency FB" panose="020B0503020202020204" pitchFamily="34" charset="0"/>
+              </a:rPr>
+              <a:t>‘a’</a:t>
+            </a:r>
+          </a:p>
+        </p:txBody>
+      </p:sp>
+      <p:sp>
+        <p:nvSpPr>
+          <p:cNvPr id="10" name="TextBox 9">
+            <a:extLst>
+              <a:ext uri="{FF2B5EF4-FFF2-40B4-BE49-F238E27FC236}">
+                <a16:creationId xmlns:a16="http://schemas.microsoft.com/office/drawing/2014/main" id="{8A9C1D69-4F09-4C74-88D1-EF874A676B4D}"/>
+              </a:ext>
+            </a:extLst>
+          </p:cNvPr>
+          <p:cNvSpPr txBox="1"/>
+          <p:nvPr/>
+        </p:nvSpPr>
+        <p:spPr>
+          <a:xfrm>
+            <a:off x="2666100" y="3175429"/>
+            <a:ext cx="1216152" cy="461665"/>
+          </a:xfrm>
+          <a:prstGeom prst="rect">
+            <a:avLst/>
+          </a:prstGeom>
+          <a:solidFill>
+            <a:schemeClr val="accent2">
+              <a:lumMod val="60000"/>
+              <a:lumOff val="40000"/>
+            </a:schemeClr>
+          </a:solidFill>
+        </p:spPr>
+        <p:txBody>
+          <a:bodyPr wrap="square" rtlCol="0">
+            <a:spAutoFit/>
+          </a:bodyPr>
+          <a:lstStyle/>
+          <a:p>
+            <a:r>
+              <a:rPr lang="en-US" sz="2400" dirty="0">
+                <a:latin typeface="Agency FB" panose="020B0503020202020204" pitchFamily="34" charset="0"/>
+              </a:rPr>
+              <a:t>‘cell’</a:t>
+            </a:r>
+          </a:p>
+        </p:txBody>
+      </p:sp>
+      <p:sp>
+        <p:nvSpPr>
+          <p:cNvPr id="11" name="TextBox 10">
+            <a:extLst>
+              <a:ext uri="{FF2B5EF4-FFF2-40B4-BE49-F238E27FC236}">
+                <a16:creationId xmlns:a16="http://schemas.microsoft.com/office/drawing/2014/main" id="{5B064361-E501-4B83-BF77-61CA8E866EBB}"/>
+              </a:ext>
+            </a:extLst>
+          </p:cNvPr>
+          <p:cNvSpPr txBox="1"/>
+          <p:nvPr/>
+        </p:nvSpPr>
+        <p:spPr>
+          <a:xfrm>
+            <a:off x="2705170" y="4963396"/>
+            <a:ext cx="1216152" cy="461665"/>
+          </a:xfrm>
+          <a:prstGeom prst="rect">
+            <a:avLst/>
+          </a:prstGeom>
+          <a:solidFill>
+            <a:schemeClr val="accent2">
+              <a:lumMod val="60000"/>
+              <a:lumOff val="40000"/>
+            </a:schemeClr>
+          </a:solidFill>
+        </p:spPr>
+        <p:txBody>
+          <a:bodyPr wrap="square" rtlCol="0">
+            <a:spAutoFit/>
+          </a:bodyPr>
+          <a:lstStyle/>
+          <a:p>
+            <a:r>
+              <a:rPr lang="en-US" sz="2400" dirty="0">
+                <a:latin typeface="Agency FB" panose="020B0503020202020204" pitchFamily="34" charset="0"/>
+              </a:rPr>
+              <a:t>‘1’</a:t>
+            </a:r>
+          </a:p>
+        </p:txBody>
+      </p:sp>
+      <p:sp>
+        <p:nvSpPr>
+          <p:cNvPr id="12" name="TextBox 11">
+            <a:extLst>
+              <a:ext uri="{FF2B5EF4-FFF2-40B4-BE49-F238E27FC236}">
+                <a16:creationId xmlns:a16="http://schemas.microsoft.com/office/drawing/2014/main" id="{DA536AB1-4700-4BEF-8A68-31205B274BD6}"/>
+              </a:ext>
+            </a:extLst>
+          </p:cNvPr>
+          <p:cNvSpPr txBox="1"/>
+          <p:nvPr/>
+        </p:nvSpPr>
+        <p:spPr>
+          <a:xfrm>
+            <a:off x="8951976" y="3109742"/>
+            <a:ext cx="1216152" cy="461665"/>
+          </a:xfrm>
+          <a:prstGeom prst="rect">
+            <a:avLst/>
+          </a:prstGeom>
+          <a:solidFill>
+            <a:schemeClr val="accent2">
+              <a:lumMod val="60000"/>
+              <a:lumOff val="40000"/>
+            </a:schemeClr>
+          </a:solidFill>
+        </p:spPr>
+        <p:txBody>
+          <a:bodyPr wrap="square" rtlCol="0">
+            <a:spAutoFit/>
+          </a:bodyPr>
+          <a:lstStyle/>
+          <a:p>
+            <a:r>
+              <a:rPr lang="en-US" sz="2400" dirty="0">
+                <a:latin typeface="Agency FB" panose="020B0503020202020204" pitchFamily="34" charset="0"/>
+              </a:rPr>
+              <a:t>Name</a:t>
+            </a:r>
+          </a:p>
+        </p:txBody>
+      </p:sp>
+      <p:sp>
+        <p:nvSpPr>
+          <p:cNvPr id="13" name="TextBox 12">
+            <a:extLst>
+              <a:ext uri="{FF2B5EF4-FFF2-40B4-BE49-F238E27FC236}">
+                <a16:creationId xmlns:a16="http://schemas.microsoft.com/office/drawing/2014/main" id="{C54E3ABF-388A-4E3D-9397-E2AF3DCBA3DA}"/>
+              </a:ext>
+            </a:extLst>
+          </p:cNvPr>
+          <p:cNvSpPr txBox="1"/>
+          <p:nvPr/>
+        </p:nvSpPr>
+        <p:spPr>
+          <a:xfrm>
+            <a:off x="4879848" y="1149357"/>
+            <a:ext cx="1216152" cy="461665"/>
+          </a:xfrm>
+          <a:prstGeom prst="rect">
+            <a:avLst/>
+          </a:prstGeom>
+          <a:solidFill>
+            <a:schemeClr val="accent2">
+              <a:lumMod val="60000"/>
+              <a:lumOff val="40000"/>
+            </a:schemeClr>
+          </a:solidFill>
+        </p:spPr>
+        <p:txBody>
+          <a:bodyPr wrap="square" rtlCol="0">
+            <a:spAutoFit/>
+          </a:bodyPr>
+          <a:lstStyle/>
+          <a:p>
+            <a:r>
+              <a:rPr lang="en-US" sz="2400" dirty="0">
+                <a:latin typeface="Agency FB" panose="020B0503020202020204" pitchFamily="34" charset="0"/>
+              </a:rPr>
+              <a:t>5</a:t>
+            </a:r>
+          </a:p>
+        </p:txBody>
+      </p:sp>
+      <p:sp>
+        <p:nvSpPr>
+          <p:cNvPr id="14" name="TextBox 13">
+            <a:extLst>
+              <a:ext uri="{FF2B5EF4-FFF2-40B4-BE49-F238E27FC236}">
+                <a16:creationId xmlns:a16="http://schemas.microsoft.com/office/drawing/2014/main" id="{4B39961B-050F-481D-9D5F-3BB34401EA78}"/>
+              </a:ext>
+            </a:extLst>
+          </p:cNvPr>
+          <p:cNvSpPr txBox="1"/>
+          <p:nvPr/>
+        </p:nvSpPr>
+        <p:spPr>
+          <a:xfrm>
+            <a:off x="7673340" y="3070982"/>
+            <a:ext cx="1216152" cy="461665"/>
+          </a:xfrm>
+          <a:prstGeom prst="rect">
+            <a:avLst/>
+          </a:prstGeom>
+          <a:solidFill>
+            <a:schemeClr val="accent2">
+              <a:lumMod val="60000"/>
+              <a:lumOff val="40000"/>
+            </a:schemeClr>
+          </a:solidFill>
+        </p:spPr>
+        <p:txBody>
+          <a:bodyPr wrap="square" rtlCol="0">
+            <a:spAutoFit/>
+          </a:bodyPr>
+          <a:lstStyle/>
+          <a:p>
+            <a:r>
+              <a:rPr lang="en-US" sz="2400" dirty="0">
+                <a:latin typeface="Agency FB" panose="020B0503020202020204" pitchFamily="34" charset="0"/>
+              </a:rPr>
+              <a:t>ICECREAM</a:t>
+            </a:r>
+          </a:p>
+        </p:txBody>
+      </p:sp>
+      <p:sp>
+        <p:nvSpPr>
+          <p:cNvPr id="15" name="TextBox 14">
+            <a:extLst>
+              <a:ext uri="{FF2B5EF4-FFF2-40B4-BE49-F238E27FC236}">
+                <a16:creationId xmlns:a16="http://schemas.microsoft.com/office/drawing/2014/main" id="{FC8A5D3C-E882-4E06-8A4A-F600888D8BB9}"/>
+              </a:ext>
+            </a:extLst>
+          </p:cNvPr>
+          <p:cNvSpPr txBox="1"/>
+          <p:nvPr/>
+        </p:nvSpPr>
+        <p:spPr>
+          <a:xfrm>
+            <a:off x="7647086" y="3571407"/>
+            <a:ext cx="1216152" cy="461665"/>
+          </a:xfrm>
+          <a:prstGeom prst="rect">
+            <a:avLst/>
+          </a:prstGeom>
+          <a:solidFill>
+            <a:schemeClr val="accent2">
+              <a:lumMod val="60000"/>
+              <a:lumOff val="40000"/>
+            </a:schemeClr>
+          </a:solidFill>
+        </p:spPr>
+        <p:txBody>
+          <a:bodyPr wrap="square" rtlCol="0">
+            <a:spAutoFit/>
+          </a:bodyPr>
+          <a:lstStyle/>
+          <a:p>
+            <a:r>
+              <a:rPr lang="en-US" sz="2400" dirty="0">
+                <a:latin typeface="Agency FB" panose="020B0503020202020204" pitchFamily="34" charset="0"/>
+              </a:rPr>
+              <a:t>Apple</a:t>
+            </a:r>
+          </a:p>
+        </p:txBody>
+      </p:sp>
+    </p:spTree>
+    <p:extLst>
+      <p:ext uri="{BB962C8B-B14F-4D97-AF65-F5344CB8AC3E}">
+        <p14:creationId xmlns:p14="http://schemas.microsoft.com/office/powerpoint/2010/main" val="4019394290"/>
+      </p:ext>
+    </p:extLst>
+  </p:cSld>
+  <p:clrMapOvr>
+    <a:masterClrMapping/>
+  </p:clrMapOvr>
+</p:sld>
+</file>
+
+<file path=ppt/slides/slide13.xml><?xml version="1.0" encoding="utf-8"?>
+<p:sld xmlns:a="http://schemas.openxmlformats.org/drawingml/2006/main" xmlns:r="http://schemas.openxmlformats.org/officeDocument/2006/relationships" xmlns:p="http://schemas.openxmlformats.org/presentationml/2006/main">
+  <p:cSld>
+    <p:spTree>
+      <p:nvGrpSpPr>
+        <p:cNvPr id="1" name=""/>
+        <p:cNvGrpSpPr/>
+        <p:nvPr/>
+      </p:nvGrpSpPr>
+      <p:grpSpPr>
+        <a:xfrm>
+          <a:off x="0" y="0"/>
+          <a:ext cx="0" cy="0"/>
+          <a:chOff x="0" y="0"/>
+          <a:chExt cx="0" cy="0"/>
+        </a:xfrm>
+      </p:grpSpPr>
+      <p:sp>
+        <p:nvSpPr>
+          <p:cNvPr id="2" name="Title 1">
+            <a:extLst>
+              <a:ext uri="{FF2B5EF4-FFF2-40B4-BE49-F238E27FC236}">
+                <a16:creationId xmlns:a16="http://schemas.microsoft.com/office/drawing/2014/main" id="{40F71078-45E4-450C-ACB4-692099355B91}"/>
+              </a:ext>
+            </a:extLst>
+          </p:cNvPr>
+          <p:cNvSpPr>
+            <a:spLocks noGrp="1"/>
+          </p:cNvSpPr>
+          <p:nvPr>
+            <p:ph type="title"/>
+          </p:nvPr>
+        </p:nvSpPr>
+        <p:spPr/>
+        <p:txBody>
+          <a:bodyPr/>
+          <a:lstStyle/>
+          <a:p>
+            <a:r>
+              <a:rPr lang="en-US" dirty="0">
+                <a:latin typeface="Agency FB" panose="020B0503020202020204" pitchFamily="34" charset="0"/>
+              </a:rPr>
+              <a:t>3 Big ideas for this lesson~</a:t>
+            </a:r>
+            <a:endParaRPr lang="en-US" dirty="0"/>
+          </a:p>
+        </p:txBody>
+      </p:sp>
+      <p:sp>
+        <p:nvSpPr>
+          <p:cNvPr id="3" name="Content Placeholder 2">
+            <a:extLst>
+              <a:ext uri="{FF2B5EF4-FFF2-40B4-BE49-F238E27FC236}">
+                <a16:creationId xmlns:a16="http://schemas.microsoft.com/office/drawing/2014/main" id="{7EB05C8B-C435-49B1-A363-679497FFE71F}"/>
+              </a:ext>
+            </a:extLst>
+          </p:cNvPr>
+          <p:cNvSpPr>
+            <a:spLocks noGrp="1"/>
+          </p:cNvSpPr>
+          <p:nvPr>
+            <p:ph idx="1"/>
+          </p:nvPr>
+        </p:nvSpPr>
+        <p:spPr/>
+        <p:txBody>
+          <a:bodyPr/>
+          <a:lstStyle/>
+          <a:p>
+            <a:r>
+              <a:rPr lang="en-US" dirty="0">
+                <a:solidFill>
+                  <a:srgbClr val="FF0000"/>
+                </a:solidFill>
+                <a:latin typeface="Agency FB" panose="020B0503020202020204" pitchFamily="34" charset="0"/>
+              </a:rPr>
+              <a:t>Adding comments to your code</a:t>
+            </a:r>
+          </a:p>
+          <a:p>
+            <a:r>
+              <a:rPr lang="en-US" dirty="0">
+                <a:solidFill>
+                  <a:schemeClr val="accent6"/>
+                </a:solidFill>
+                <a:latin typeface="Agency FB" panose="020B0503020202020204" pitchFamily="34" charset="0"/>
+              </a:rPr>
+              <a:t>Creating your own functions</a:t>
+            </a:r>
+          </a:p>
+          <a:p>
+            <a:r>
+              <a:rPr lang="en-US" dirty="0">
+                <a:solidFill>
+                  <a:srgbClr val="00B0F0"/>
+                </a:solidFill>
+                <a:latin typeface="Agency FB" panose="020B0503020202020204" pitchFamily="34" charset="0"/>
+              </a:rPr>
+              <a:t>Doing math on computer.</a:t>
+            </a:r>
+          </a:p>
+        </p:txBody>
+      </p:sp>
+    </p:spTree>
+    <p:extLst>
+      <p:ext uri="{BB962C8B-B14F-4D97-AF65-F5344CB8AC3E}">
+        <p14:creationId xmlns:p14="http://schemas.microsoft.com/office/powerpoint/2010/main" val="914791950"/>
+      </p:ext>
+    </p:extLst>
+  </p:cSld>
+  <p:clrMapOvr>
+    <a:masterClrMapping/>
+  </p:clrMapOvr>
+</p:sld>
+</file>
+
+<file path=ppt/slides/slide14.xml><?xml version="1.0" encoding="utf-8"?>
+<p:sld xmlns:a="http://schemas.openxmlformats.org/drawingml/2006/main" xmlns:r="http://schemas.openxmlformats.org/officeDocument/2006/relationships" xmlns:p="http://schemas.openxmlformats.org/presentationml/2006/main">
+  <p:cSld>
+    <p:spTree>
+      <p:nvGrpSpPr>
+        <p:cNvPr id="1" name=""/>
+        <p:cNvGrpSpPr/>
+        <p:nvPr/>
+      </p:nvGrpSpPr>
+      <p:grpSpPr>
+        <a:xfrm>
+          <a:off x="0" y="0"/>
+          <a:ext cx="0" cy="0"/>
+          <a:chOff x="0" y="0"/>
+          <a:chExt cx="0" cy="0"/>
+        </a:xfrm>
+      </p:grpSpPr>
+      <p:sp>
+        <p:nvSpPr>
+          <p:cNvPr id="2" name="Title 1">
+            <a:extLst>
+              <a:ext uri="{FF2B5EF4-FFF2-40B4-BE49-F238E27FC236}">
+                <a16:creationId xmlns:a16="http://schemas.microsoft.com/office/drawing/2014/main" id="{4074F602-91D1-4156-BDE4-9AF8465C73E7}"/>
+              </a:ext>
+            </a:extLst>
+          </p:cNvPr>
+          <p:cNvSpPr>
+            <a:spLocks noGrp="1"/>
+          </p:cNvSpPr>
+          <p:nvPr>
+            <p:ph type="title"/>
+          </p:nvPr>
+        </p:nvSpPr>
+        <p:spPr>
+          <a:xfrm>
+            <a:off x="123306" y="148994"/>
+            <a:ext cx="10515600" cy="1325563"/>
+          </a:xfrm>
+        </p:spPr>
+        <p:txBody>
+          <a:bodyPr/>
+          <a:lstStyle/>
+          <a:p>
+            <a:r>
+              <a:rPr lang="en-US" dirty="0">
+                <a:latin typeface="Agency FB" panose="020B0503020202020204" pitchFamily="34" charset="0"/>
+              </a:rPr>
+              <a:t>Data types</a:t>
+            </a:r>
+          </a:p>
+        </p:txBody>
+      </p:sp>
+      <p:sp>
+        <p:nvSpPr>
+          <p:cNvPr id="4" name="Rectangle 3">
+            <a:extLst>
+              <a:ext uri="{FF2B5EF4-FFF2-40B4-BE49-F238E27FC236}">
+                <a16:creationId xmlns:a16="http://schemas.microsoft.com/office/drawing/2014/main" id="{E5531EEC-EC92-4B69-BABE-EB6EA4AB536D}"/>
+              </a:ext>
+            </a:extLst>
+          </p:cNvPr>
+          <p:cNvSpPr/>
+          <p:nvPr/>
+        </p:nvSpPr>
+        <p:spPr>
+          <a:xfrm>
+            <a:off x="490451" y="2709949"/>
+            <a:ext cx="2510444" cy="2992582"/>
+          </a:xfrm>
+          <a:prstGeom prst="rect">
+            <a:avLst/>
+          </a:prstGeom>
+          <a:ln w="57150"/>
         </p:spPr>
         <p:style>
           <a:lnRef idx="2">
@@ -3630,6 +4818,114 @@
               <a:rPr lang="en-US" sz="3600" dirty="0">
                 <a:latin typeface="Agency FB" panose="020B0503020202020204" pitchFamily="34" charset="0"/>
               </a:rPr>
+              <a:t>Str</a:t>
+            </a:r>
+          </a:p>
+        </p:txBody>
+      </p:sp>
+      <p:sp>
+        <p:nvSpPr>
+          <p:cNvPr id="5" name="Rectangle 4">
+            <a:extLst>
+              <a:ext uri="{FF2B5EF4-FFF2-40B4-BE49-F238E27FC236}">
+                <a16:creationId xmlns:a16="http://schemas.microsoft.com/office/drawing/2014/main" id="{2396BF63-BAAA-45D5-A962-ADB64B01554A}"/>
+              </a:ext>
+            </a:extLst>
+          </p:cNvPr>
+          <p:cNvSpPr/>
+          <p:nvPr/>
+        </p:nvSpPr>
+        <p:spPr>
+          <a:xfrm>
+            <a:off x="4125884" y="2709949"/>
+            <a:ext cx="2510444" cy="2992582"/>
+          </a:xfrm>
+          <a:prstGeom prst="rect">
+            <a:avLst/>
+          </a:prstGeom>
+          <a:ln w="57150">
+            <a:solidFill>
+              <a:srgbClr val="FF0000"/>
+            </a:solidFill>
+          </a:ln>
+        </p:spPr>
+        <p:style>
+          <a:lnRef idx="2">
+            <a:schemeClr val="accent1"/>
+          </a:lnRef>
+          <a:fillRef idx="1">
+            <a:schemeClr val="lt1"/>
+          </a:fillRef>
+          <a:effectRef idx="0">
+            <a:schemeClr val="accent1"/>
+          </a:effectRef>
+          <a:fontRef idx="minor">
+            <a:schemeClr val="dk1"/>
+          </a:fontRef>
+        </p:style>
+        <p:txBody>
+          <a:bodyPr rtlCol="0" anchor="ctr"/>
+          <a:lstStyle/>
+          <a:p>
+            <a:pPr algn="ctr"/>
+            <a:r>
+              <a:rPr lang="en-US" sz="3600" dirty="0">
+                <a:latin typeface="Agency FB" panose="020B0503020202020204" pitchFamily="34" charset="0"/>
+              </a:rPr>
+              <a:t>Int</a:t>
+            </a:r>
+          </a:p>
+        </p:txBody>
+      </p:sp>
+      <p:sp>
+        <p:nvSpPr>
+          <p:cNvPr id="6" name="Rectangle 5">
+            <a:extLst>
+              <a:ext uri="{FF2B5EF4-FFF2-40B4-BE49-F238E27FC236}">
+                <a16:creationId xmlns:a16="http://schemas.microsoft.com/office/drawing/2014/main" id="{EA8A3842-D87A-4C28-91C0-9A996D27BDDD}"/>
+              </a:ext>
+            </a:extLst>
+          </p:cNvPr>
+          <p:cNvSpPr/>
+          <p:nvPr/>
+        </p:nvSpPr>
+        <p:spPr>
+          <a:xfrm>
+            <a:off x="7894320" y="2709949"/>
+            <a:ext cx="2510444" cy="2992582"/>
+          </a:xfrm>
+          <a:prstGeom prst="rect">
+            <a:avLst/>
+          </a:prstGeom>
+          <a:ln w="57150">
+            <a:solidFill>
+              <a:srgbClr val="FFFF00"/>
+            </a:solidFill>
+          </a:ln>
+        </p:spPr>
+        <p:style>
+          <a:lnRef idx="2">
+            <a:schemeClr val="accent1"/>
+          </a:lnRef>
+          <a:fillRef idx="1">
+            <a:schemeClr val="lt1"/>
+          </a:fillRef>
+          <a:effectRef idx="0">
+            <a:schemeClr val="accent1"/>
+          </a:effectRef>
+          <a:fontRef idx="minor">
+            <a:schemeClr val="dk1"/>
+          </a:fontRef>
+        </p:style>
+        <p:txBody>
+          <a:bodyPr rtlCol="0" anchor="ctr"/>
+          <a:lstStyle/>
+          <a:p>
+            <a:pPr algn="ctr"/>
+            <a:r>
+              <a:rPr lang="en-US" sz="3600" dirty="0">
+                <a:latin typeface="Agency FB" panose="020B0503020202020204" pitchFamily="34" charset="0"/>
+              </a:rPr>
               <a:t>Float</a:t>
             </a:r>
           </a:p>
@@ -3649,7 +4945,7 @@
         </p:nvSpPr>
         <p:spPr>
           <a:xfrm>
-            <a:off x="1180407" y="1474557"/>
+            <a:off x="490451" y="3059668"/>
             <a:ext cx="1562793" cy="369332"/>
           </a:xfrm>
           <a:prstGeom prst="rect">
@@ -3686,7 +4982,7 @@
         </p:nvSpPr>
         <p:spPr>
           <a:xfrm>
-            <a:off x="3261359" y="627109"/>
+            <a:off x="584661" y="3594053"/>
             <a:ext cx="1562793" cy="369332"/>
           </a:xfrm>
           <a:prstGeom prst="rect">
@@ -3723,7 +5019,7 @@
         </p:nvSpPr>
         <p:spPr>
           <a:xfrm>
-            <a:off x="5073535" y="1659223"/>
+            <a:off x="1787236" y="2894615"/>
             <a:ext cx="1562793" cy="369332"/>
           </a:xfrm>
           <a:prstGeom prst="rect">
@@ -3760,7 +5056,7 @@
         </p:nvSpPr>
         <p:spPr>
           <a:xfrm>
-            <a:off x="7378932" y="1036294"/>
+            <a:off x="1005839" y="5231060"/>
             <a:ext cx="1562793" cy="369332"/>
           </a:xfrm>
           <a:prstGeom prst="rect">
@@ -3797,7 +5093,7 @@
         </p:nvSpPr>
         <p:spPr>
           <a:xfrm>
-            <a:off x="3126971" y="1952672"/>
+            <a:off x="584660" y="4662731"/>
             <a:ext cx="1562793" cy="369332"/>
           </a:xfrm>
           <a:prstGeom prst="rect">
@@ -3834,7 +5130,7 @@
         </p:nvSpPr>
         <p:spPr>
           <a:xfrm>
-            <a:off x="5381106" y="644501"/>
+            <a:off x="4258887" y="2871430"/>
             <a:ext cx="1562793" cy="369332"/>
           </a:xfrm>
           <a:prstGeom prst="rect">
@@ -3871,7 +5167,7 @@
         </p:nvSpPr>
         <p:spPr>
           <a:xfrm>
-            <a:off x="7020099" y="1952672"/>
+            <a:off x="4258887" y="3446593"/>
             <a:ext cx="1562793" cy="369332"/>
           </a:xfrm>
           <a:prstGeom prst="rect">
@@ -3908,7 +5204,7 @@
         </p:nvSpPr>
         <p:spPr>
           <a:xfrm>
-            <a:off x="9623367" y="1382224"/>
+            <a:off x="8183881" y="3319217"/>
             <a:ext cx="1562793" cy="369332"/>
           </a:xfrm>
           <a:prstGeom prst="rect">
@@ -3945,7 +5241,7 @@
         </p:nvSpPr>
         <p:spPr>
           <a:xfrm>
-            <a:off x="8582892" y="262767"/>
+            <a:off x="8183881" y="2800120"/>
             <a:ext cx="1562793" cy="369332"/>
           </a:xfrm>
           <a:prstGeom prst="rect">
@@ -3972,6 +5268,842 @@
     <p:extLst>
       <p:ext uri="{BB962C8B-B14F-4D97-AF65-F5344CB8AC3E}">
         <p14:creationId xmlns:p14="http://schemas.microsoft.com/office/powerpoint/2010/main" val="2751189502"/>
+      </p:ext>
+    </p:extLst>
+  </p:cSld>
+  <p:clrMapOvr>
+    <a:masterClrMapping/>
+  </p:clrMapOvr>
+</p:sld>
+</file>
+
+<file path=ppt/slides/slide15.xml><?xml version="1.0" encoding="utf-8"?>
+<p:sld xmlns:a="http://schemas.openxmlformats.org/drawingml/2006/main" xmlns:r="http://schemas.openxmlformats.org/officeDocument/2006/relationships" xmlns:p="http://schemas.openxmlformats.org/presentationml/2006/main">
+  <p:cSld>
+    <p:spTree>
+      <p:nvGrpSpPr>
+        <p:cNvPr id="1" name=""/>
+        <p:cNvGrpSpPr/>
+        <p:nvPr/>
+      </p:nvGrpSpPr>
+      <p:grpSpPr>
+        <a:xfrm>
+          <a:off x="0" y="0"/>
+          <a:ext cx="0" cy="0"/>
+          <a:chOff x="0" y="0"/>
+          <a:chExt cx="0" cy="0"/>
+        </a:xfrm>
+      </p:grpSpPr>
+      <p:sp>
+        <p:nvSpPr>
+          <p:cNvPr id="2" name="Title 1">
+            <a:extLst>
+              <a:ext uri="{FF2B5EF4-FFF2-40B4-BE49-F238E27FC236}">
+                <a16:creationId xmlns:a16="http://schemas.microsoft.com/office/drawing/2014/main" id="{E7095485-543C-4269-BE24-F824EB7498E0}"/>
+              </a:ext>
+            </a:extLst>
+          </p:cNvPr>
+          <p:cNvSpPr>
+            <a:spLocks noGrp="1"/>
+          </p:cNvSpPr>
+          <p:nvPr>
+            <p:ph type="title"/>
+          </p:nvPr>
+        </p:nvSpPr>
+        <p:spPr/>
+        <p:txBody>
+          <a:bodyPr/>
+          <a:lstStyle/>
+          <a:p>
+            <a:r>
+              <a:rPr lang="en-US" dirty="0">
+                <a:latin typeface="Agency FB" panose="020B0503020202020204" pitchFamily="34" charset="0"/>
+              </a:rPr>
+              <a:t>Project 1 restaurant bill calculator</a:t>
+            </a:r>
+          </a:p>
+        </p:txBody>
+      </p:sp>
+      <p:sp>
+        <p:nvSpPr>
+          <p:cNvPr id="4" name="TextBox 3">
+            <a:extLst>
+              <a:ext uri="{FF2B5EF4-FFF2-40B4-BE49-F238E27FC236}">
+                <a16:creationId xmlns:a16="http://schemas.microsoft.com/office/drawing/2014/main" id="{C5C6C2CA-5E23-424D-9726-DCE7656D2F7C}"/>
+              </a:ext>
+            </a:extLst>
+          </p:cNvPr>
+          <p:cNvSpPr txBox="1"/>
+          <p:nvPr/>
+        </p:nvSpPr>
+        <p:spPr>
+          <a:xfrm>
+            <a:off x="923472" y="1623144"/>
+            <a:ext cx="4187192" cy="1754326"/>
+          </a:xfrm>
+          <a:prstGeom prst="rect">
+            <a:avLst/>
+          </a:prstGeom>
+          <a:noFill/>
+          <a:ln>
+            <a:solidFill>
+              <a:schemeClr val="accent2">
+                <a:lumMod val="75000"/>
+              </a:schemeClr>
+            </a:solidFill>
+          </a:ln>
+        </p:spPr>
+        <p:txBody>
+          <a:bodyPr wrap="square" rtlCol="0">
+            <a:spAutoFit/>
+          </a:bodyPr>
+          <a:lstStyle/>
+          <a:p>
+            <a:r>
+              <a:rPr lang="en-US" dirty="0">
+                <a:latin typeface="Agency FB" panose="020B0503020202020204" pitchFamily="34" charset="0"/>
+              </a:rPr>
+              <a:t>Calculate cost for my dinner at a restaurant </a:t>
+            </a:r>
+          </a:p>
+          <a:p>
+            <a:pPr marL="342900" indent="-342900">
+              <a:buAutoNum type="arabicPeriod"/>
+            </a:pPr>
+            <a:r>
+              <a:rPr lang="en-US" dirty="0">
+                <a:latin typeface="Agency FB" panose="020B0503020202020204" pitchFamily="34" charset="0"/>
+              </a:rPr>
+              <a:t>Input my dinner cost.</a:t>
+            </a:r>
+          </a:p>
+          <a:p>
+            <a:pPr marL="342900" indent="-342900">
+              <a:buAutoNum type="arabicPeriod"/>
+            </a:pPr>
+            <a:r>
+              <a:rPr lang="en-US" dirty="0">
+                <a:latin typeface="Agency FB" panose="020B0503020202020204" pitchFamily="34" charset="0"/>
+              </a:rPr>
+              <a:t>Look up my state tax. Tax=dinner cost *8.25%</a:t>
+            </a:r>
+          </a:p>
+          <a:p>
+            <a:pPr marL="342900" indent="-342900">
+              <a:buAutoNum type="arabicPeriod" startAt="2"/>
+            </a:pPr>
+            <a:r>
+              <a:rPr lang="en-US" dirty="0">
+                <a:latin typeface="Agency FB" panose="020B0503020202020204" pitchFamily="34" charset="0"/>
+              </a:rPr>
+              <a:t>Tip=dinner cost *15% (Tip percentage let user input)</a:t>
+            </a:r>
+          </a:p>
+          <a:p>
+            <a:pPr marL="342900" indent="-342900">
+              <a:buAutoNum type="arabicPeriod" startAt="2"/>
+            </a:pPr>
+            <a:r>
+              <a:rPr lang="en-US" dirty="0">
+                <a:latin typeface="Agency FB" panose="020B0503020202020204" pitchFamily="34" charset="0"/>
+              </a:rPr>
+              <a:t>Have total amount print on the screen.</a:t>
+            </a:r>
+          </a:p>
+        </p:txBody>
+      </p:sp>
+    </p:spTree>
+    <p:extLst>
+      <p:ext uri="{BB962C8B-B14F-4D97-AF65-F5344CB8AC3E}">
+        <p14:creationId xmlns:p14="http://schemas.microsoft.com/office/powerpoint/2010/main" val="273847303"/>
+      </p:ext>
+    </p:extLst>
+  </p:cSld>
+  <p:clrMapOvr>
+    <a:masterClrMapping/>
+  </p:clrMapOvr>
+</p:sld>
+</file>
+
+<file path=ppt/slides/slide16.xml><?xml version="1.0" encoding="utf-8"?>
+<p:sld xmlns:a="http://schemas.openxmlformats.org/drawingml/2006/main" xmlns:r="http://schemas.openxmlformats.org/officeDocument/2006/relationships" xmlns:p="http://schemas.openxmlformats.org/presentationml/2006/main">
+  <p:cSld>
+    <p:spTree>
+      <p:nvGrpSpPr>
+        <p:cNvPr id="1" name=""/>
+        <p:cNvGrpSpPr/>
+        <p:nvPr/>
+      </p:nvGrpSpPr>
+      <p:grpSpPr>
+        <a:xfrm>
+          <a:off x="0" y="0"/>
+          <a:ext cx="0" cy="0"/>
+          <a:chOff x="0" y="0"/>
+          <a:chExt cx="0" cy="0"/>
+        </a:xfrm>
+      </p:grpSpPr>
+      <p:sp>
+        <p:nvSpPr>
+          <p:cNvPr id="2" name="Title 1">
+            <a:extLst>
+              <a:ext uri="{FF2B5EF4-FFF2-40B4-BE49-F238E27FC236}">
+                <a16:creationId xmlns:a16="http://schemas.microsoft.com/office/drawing/2014/main" id="{96249E44-794C-4BBC-9C9E-31F657B66D89}"/>
+              </a:ext>
+            </a:extLst>
+          </p:cNvPr>
+          <p:cNvSpPr>
+            <a:spLocks noGrp="1"/>
+          </p:cNvSpPr>
+          <p:nvPr>
+            <p:ph type="title"/>
+          </p:nvPr>
+        </p:nvSpPr>
+        <p:spPr/>
+        <p:txBody>
+          <a:bodyPr/>
+          <a:lstStyle/>
+          <a:p>
+            <a:r>
+              <a:rPr lang="en-US" dirty="0">
+                <a:latin typeface="Agency FB" panose="020B0503020202020204" pitchFamily="34" charset="0"/>
+              </a:rPr>
+              <a:t>Lesson 3</a:t>
+            </a:r>
+          </a:p>
+        </p:txBody>
+      </p:sp>
+      <p:sp>
+        <p:nvSpPr>
+          <p:cNvPr id="3" name="Content Placeholder 2">
+            <a:extLst>
+              <a:ext uri="{FF2B5EF4-FFF2-40B4-BE49-F238E27FC236}">
+                <a16:creationId xmlns:a16="http://schemas.microsoft.com/office/drawing/2014/main" id="{0AD51010-0E9B-441C-A18C-4DA73747823B}"/>
+              </a:ext>
+            </a:extLst>
+          </p:cNvPr>
+          <p:cNvSpPr>
+            <a:spLocks noGrp="1"/>
+          </p:cNvSpPr>
+          <p:nvPr>
+            <p:ph idx="1"/>
+          </p:nvPr>
+        </p:nvSpPr>
+        <p:spPr/>
+        <p:txBody>
+          <a:bodyPr/>
+          <a:lstStyle/>
+          <a:p>
+            <a:r>
+              <a:rPr lang="en-US" dirty="0">
+                <a:latin typeface="Agency FB" panose="020B0503020202020204" pitchFamily="34" charset="0"/>
+              </a:rPr>
+              <a:t>How to use GitHub(demo time)</a:t>
+            </a:r>
+          </a:p>
+          <a:p>
+            <a:pPr marL="0" indent="0">
+              <a:buNone/>
+            </a:pPr>
+            <a:endParaRPr lang="en-US" dirty="0"/>
+          </a:p>
+        </p:txBody>
+      </p:sp>
+    </p:spTree>
+    <p:extLst>
+      <p:ext uri="{BB962C8B-B14F-4D97-AF65-F5344CB8AC3E}">
+        <p14:creationId xmlns:p14="http://schemas.microsoft.com/office/powerpoint/2010/main" val="895717529"/>
+      </p:ext>
+    </p:extLst>
+  </p:cSld>
+  <p:clrMapOvr>
+    <a:masterClrMapping/>
+  </p:clrMapOvr>
+</p:sld>
+</file>
+
+<file path=ppt/slides/slide17.xml><?xml version="1.0" encoding="utf-8"?>
+<p:sld xmlns:a="http://schemas.openxmlformats.org/drawingml/2006/main" xmlns:r="http://schemas.openxmlformats.org/officeDocument/2006/relationships" xmlns:p="http://schemas.openxmlformats.org/presentationml/2006/main">
+  <p:cSld>
+    <p:spTree>
+      <p:nvGrpSpPr>
+        <p:cNvPr id="1" name=""/>
+        <p:cNvGrpSpPr/>
+        <p:nvPr/>
+      </p:nvGrpSpPr>
+      <p:grpSpPr>
+        <a:xfrm>
+          <a:off x="0" y="0"/>
+          <a:ext cx="0" cy="0"/>
+          <a:chOff x="0" y="0"/>
+          <a:chExt cx="0" cy="0"/>
+        </a:xfrm>
+      </p:grpSpPr>
+      <p:sp>
+        <p:nvSpPr>
+          <p:cNvPr id="2" name="Title 1">
+            <a:extLst>
+              <a:ext uri="{FF2B5EF4-FFF2-40B4-BE49-F238E27FC236}">
+                <a16:creationId xmlns:a16="http://schemas.microsoft.com/office/drawing/2014/main" id="{F525B452-30A5-4DB0-AE05-4A05332B8B5A}"/>
+              </a:ext>
+            </a:extLst>
+          </p:cNvPr>
+          <p:cNvSpPr>
+            <a:spLocks noGrp="1"/>
+          </p:cNvSpPr>
+          <p:nvPr>
+            <p:ph type="title"/>
+          </p:nvPr>
+        </p:nvSpPr>
+        <p:spPr/>
+        <p:txBody>
+          <a:bodyPr/>
+          <a:lstStyle/>
+          <a:p>
+            <a:r>
+              <a:rPr lang="en-US" dirty="0">
+                <a:latin typeface="Agency FB" panose="020B0503020202020204" pitchFamily="34" charset="0"/>
+              </a:rPr>
+              <a:t>Recap: 6 big idea we learned so far</a:t>
+            </a:r>
+          </a:p>
+        </p:txBody>
+      </p:sp>
+      <p:sp>
+        <p:nvSpPr>
+          <p:cNvPr id="3" name="Content Placeholder 2">
+            <a:extLst>
+              <a:ext uri="{FF2B5EF4-FFF2-40B4-BE49-F238E27FC236}">
+                <a16:creationId xmlns:a16="http://schemas.microsoft.com/office/drawing/2014/main" id="{3F4942EA-2C6D-48A7-9B30-AEB214F2A9B0}"/>
+              </a:ext>
+            </a:extLst>
+          </p:cNvPr>
+          <p:cNvSpPr>
+            <a:spLocks noGrp="1"/>
+          </p:cNvSpPr>
+          <p:nvPr>
+            <p:ph idx="1"/>
+          </p:nvPr>
+        </p:nvSpPr>
+        <p:spPr/>
+        <p:txBody>
+          <a:bodyPr/>
+          <a:lstStyle/>
+          <a:p>
+            <a:r>
+              <a:rPr lang="en-US" dirty="0">
+                <a:solidFill>
+                  <a:srgbClr val="FF0000"/>
+                </a:solidFill>
+                <a:latin typeface="Agency FB" panose="020B0503020202020204" pitchFamily="34" charset="0"/>
+              </a:rPr>
+              <a:t>Storing data with variables.</a:t>
+            </a:r>
+          </a:p>
+          <a:p>
+            <a:r>
+              <a:rPr lang="en-US" dirty="0">
+                <a:solidFill>
+                  <a:srgbClr val="FF99FF"/>
+                </a:solidFill>
+                <a:latin typeface="Agency FB" panose="020B0503020202020204" pitchFamily="34" charset="0"/>
+              </a:rPr>
+              <a:t>Getting data from the users.</a:t>
+            </a:r>
+          </a:p>
+          <a:p>
+            <a:r>
+              <a:rPr lang="en-US" dirty="0">
+                <a:solidFill>
+                  <a:srgbClr val="00B050"/>
+                </a:solidFill>
+                <a:latin typeface="Agency FB" panose="020B0503020202020204" pitchFamily="34" charset="0"/>
+              </a:rPr>
+              <a:t>Outputting data on a screen.</a:t>
+            </a:r>
+          </a:p>
+          <a:p>
+            <a:endParaRPr lang="en-US" dirty="0">
+              <a:solidFill>
+                <a:srgbClr val="00B050"/>
+              </a:solidFill>
+              <a:latin typeface="Agency FB" panose="020B0503020202020204" pitchFamily="34" charset="0"/>
+            </a:endParaRPr>
+          </a:p>
+          <a:p>
+            <a:r>
+              <a:rPr lang="en-US" dirty="0">
+                <a:solidFill>
+                  <a:srgbClr val="FF0000"/>
+                </a:solidFill>
+                <a:latin typeface="Agency FB" panose="020B0503020202020204" pitchFamily="34" charset="0"/>
+              </a:rPr>
+              <a:t>Adding comments to your code</a:t>
+            </a:r>
+          </a:p>
+          <a:p>
+            <a:r>
+              <a:rPr lang="en-US" dirty="0">
+                <a:solidFill>
+                  <a:schemeClr val="accent6"/>
+                </a:solidFill>
+                <a:latin typeface="Agency FB" panose="020B0503020202020204" pitchFamily="34" charset="0"/>
+              </a:rPr>
+              <a:t>Creating your own functions </a:t>
+            </a:r>
+          </a:p>
+          <a:p>
+            <a:r>
+              <a:rPr lang="en-US" dirty="0">
+                <a:solidFill>
+                  <a:srgbClr val="00B0F0"/>
+                </a:solidFill>
+                <a:latin typeface="Agency FB" panose="020B0503020202020204" pitchFamily="34" charset="0"/>
+              </a:rPr>
+              <a:t>Doing math on computer.</a:t>
+            </a:r>
+          </a:p>
+          <a:p>
+            <a:endParaRPr lang="en-US" dirty="0">
+              <a:solidFill>
+                <a:srgbClr val="00B050"/>
+              </a:solidFill>
+              <a:latin typeface="Agency FB" panose="020B0503020202020204" pitchFamily="34" charset="0"/>
+            </a:endParaRPr>
+          </a:p>
+          <a:p>
+            <a:endParaRPr lang="en-US" dirty="0"/>
+          </a:p>
+        </p:txBody>
+      </p:sp>
+    </p:spTree>
+    <p:extLst>
+      <p:ext uri="{BB962C8B-B14F-4D97-AF65-F5344CB8AC3E}">
+        <p14:creationId xmlns:p14="http://schemas.microsoft.com/office/powerpoint/2010/main" val="4237997623"/>
+      </p:ext>
+    </p:extLst>
+  </p:cSld>
+  <p:clrMapOvr>
+    <a:masterClrMapping/>
+  </p:clrMapOvr>
+</p:sld>
+</file>
+
+<file path=ppt/slides/slide18.xml><?xml version="1.0" encoding="utf-8"?>
+<p:sld xmlns:a="http://schemas.openxmlformats.org/drawingml/2006/main" xmlns:r="http://schemas.openxmlformats.org/officeDocument/2006/relationships" xmlns:p="http://schemas.openxmlformats.org/presentationml/2006/main">
+  <p:cSld>
+    <p:spTree>
+      <p:nvGrpSpPr>
+        <p:cNvPr id="1" name=""/>
+        <p:cNvGrpSpPr/>
+        <p:nvPr/>
+      </p:nvGrpSpPr>
+      <p:grpSpPr>
+        <a:xfrm>
+          <a:off x="0" y="0"/>
+          <a:ext cx="0" cy="0"/>
+          <a:chOff x="0" y="0"/>
+          <a:chExt cx="0" cy="0"/>
+        </a:xfrm>
+      </p:grpSpPr>
+      <p:sp>
+        <p:nvSpPr>
+          <p:cNvPr id="2" name="Title 1">
+            <a:extLst>
+              <a:ext uri="{FF2B5EF4-FFF2-40B4-BE49-F238E27FC236}">
+                <a16:creationId xmlns:a16="http://schemas.microsoft.com/office/drawing/2014/main" id="{1070084B-3CFE-4A9B-B62E-A7D6F797461C}"/>
+              </a:ext>
+            </a:extLst>
+          </p:cNvPr>
+          <p:cNvSpPr>
+            <a:spLocks noGrp="1"/>
+          </p:cNvSpPr>
+          <p:nvPr>
+            <p:ph type="title"/>
+          </p:nvPr>
+        </p:nvSpPr>
+        <p:spPr/>
+        <p:txBody>
+          <a:bodyPr/>
+          <a:lstStyle/>
+          <a:p>
+            <a:r>
+              <a:rPr lang="en-US" dirty="0"/>
+              <a:t>Lesson 3</a:t>
+            </a:r>
+          </a:p>
+        </p:txBody>
+      </p:sp>
+      <p:sp>
+        <p:nvSpPr>
+          <p:cNvPr id="3" name="Content Placeholder 2">
+            <a:extLst>
+              <a:ext uri="{FF2B5EF4-FFF2-40B4-BE49-F238E27FC236}">
+                <a16:creationId xmlns:a16="http://schemas.microsoft.com/office/drawing/2014/main" id="{A05ED871-E4A0-40FD-BF83-E2E82DBAD65B}"/>
+              </a:ext>
+            </a:extLst>
+          </p:cNvPr>
+          <p:cNvSpPr>
+            <a:spLocks noGrp="1"/>
+          </p:cNvSpPr>
+          <p:nvPr>
+            <p:ph idx="1"/>
+          </p:nvPr>
+        </p:nvSpPr>
+        <p:spPr/>
+        <p:txBody>
+          <a:bodyPr>
+            <a:normAutofit lnSpcReduction="10000"/>
+          </a:bodyPr>
+          <a:lstStyle/>
+          <a:p>
+            <a:r>
+              <a:rPr lang="en-US" sz="3200" dirty="0">
+                <a:solidFill>
+                  <a:schemeClr val="accent6"/>
+                </a:solidFill>
+                <a:latin typeface="Agency FB" panose="020B0503020202020204" pitchFamily="34" charset="0"/>
+              </a:rPr>
+              <a:t>Turtle Graphic</a:t>
+            </a:r>
+          </a:p>
+          <a:p>
+            <a:r>
+              <a:rPr lang="en-US" sz="3200" dirty="0">
+                <a:solidFill>
+                  <a:schemeClr val="accent6"/>
+                </a:solidFill>
+                <a:latin typeface="Agency FB" panose="020B0503020202020204" pitchFamily="34" charset="0"/>
+              </a:rPr>
+              <a:t>https://docs.python.org/3/library/turtle.html#turtle.right</a:t>
+            </a:r>
+          </a:p>
+          <a:p>
+            <a:pPr>
+              <a:buFont typeface="Wingdings" panose="05000000000000000000" pitchFamily="2" charset="2"/>
+              <a:buChar char="è"/>
+            </a:pPr>
+            <a:r>
+              <a:rPr lang="en-US" sz="3200" dirty="0">
+                <a:solidFill>
+                  <a:srgbClr val="00B0F0"/>
+                </a:solidFill>
+                <a:latin typeface="Agency FB" panose="020B0503020202020204" pitchFamily="34" charset="0"/>
+                <a:sym typeface="Wingdings" panose="05000000000000000000" pitchFamily="2" charset="2"/>
+              </a:rPr>
+              <a:t>Need to import Turtle first !!!!!</a:t>
+            </a:r>
+          </a:p>
+          <a:p>
+            <a:pPr>
+              <a:buFont typeface="Wingdings" panose="05000000000000000000" pitchFamily="2" charset="2"/>
+              <a:buChar char="è"/>
+            </a:pPr>
+            <a:r>
+              <a:rPr lang="en-US" sz="3200" dirty="0">
+                <a:solidFill>
+                  <a:srgbClr val="00B0F0"/>
+                </a:solidFill>
+                <a:latin typeface="Agency FB" panose="020B0503020202020204" pitchFamily="34" charset="0"/>
+                <a:sym typeface="Wingdings" panose="05000000000000000000" pitchFamily="2" charset="2"/>
+              </a:rPr>
+              <a:t>Define your turtle</a:t>
+            </a:r>
+          </a:p>
+          <a:p>
+            <a:pPr>
+              <a:buFont typeface="Wingdings" panose="05000000000000000000" pitchFamily="2" charset="2"/>
+              <a:buChar char="è"/>
+            </a:pPr>
+            <a:r>
+              <a:rPr lang="en-US" sz="3200" dirty="0">
+                <a:solidFill>
+                  <a:srgbClr val="00B0F0"/>
+                </a:solidFill>
+                <a:latin typeface="Agency FB" panose="020B0503020202020204" pitchFamily="34" charset="0"/>
+              </a:rPr>
+              <a:t>Turtle movement commands.</a:t>
+            </a:r>
+          </a:p>
+          <a:p>
+            <a:r>
+              <a:rPr lang="en-US" sz="2400" dirty="0" err="1">
+                <a:solidFill>
+                  <a:srgbClr val="00B0F0"/>
+                </a:solidFill>
+                <a:latin typeface="Agency FB" panose="020B0503020202020204" pitchFamily="34" charset="0"/>
+              </a:rPr>
+              <a:t>shelly.forward</a:t>
+            </a:r>
+            <a:r>
+              <a:rPr lang="en-US" sz="2400" dirty="0">
+                <a:solidFill>
+                  <a:srgbClr val="00B0F0"/>
+                </a:solidFill>
+                <a:latin typeface="Agency FB" panose="020B0503020202020204" pitchFamily="34" charset="0"/>
+              </a:rPr>
+              <a:t>(100) # moves shelly </a:t>
+            </a:r>
+            <a:r>
+              <a:rPr lang="en-US" sz="2400" dirty="0" err="1">
+                <a:solidFill>
+                  <a:srgbClr val="00B0F0"/>
+                </a:solidFill>
+                <a:latin typeface="Agency FB" panose="020B0503020202020204" pitchFamily="34" charset="0"/>
+              </a:rPr>
+              <a:t>foward</a:t>
+            </a:r>
+            <a:r>
+              <a:rPr lang="en-US" sz="2400" dirty="0">
+                <a:solidFill>
+                  <a:srgbClr val="00B0F0"/>
+                </a:solidFill>
+                <a:latin typeface="Agency FB" panose="020B0503020202020204" pitchFamily="34" charset="0"/>
+              </a:rPr>
+              <a:t> 100 steps</a:t>
+            </a:r>
+          </a:p>
+          <a:p>
+            <a:r>
+              <a:rPr lang="en-US" sz="2400" dirty="0" err="1">
+                <a:solidFill>
+                  <a:srgbClr val="00B0F0"/>
+                </a:solidFill>
+                <a:latin typeface="Agency FB" panose="020B0503020202020204" pitchFamily="34" charset="0"/>
+              </a:rPr>
+              <a:t>shelly.right</a:t>
+            </a:r>
+            <a:r>
+              <a:rPr lang="en-US" sz="2400" dirty="0">
+                <a:solidFill>
+                  <a:srgbClr val="00B0F0"/>
+                </a:solidFill>
+                <a:latin typeface="Agency FB" panose="020B0503020202020204" pitchFamily="34" charset="0"/>
+              </a:rPr>
+              <a:t>(90) # move shelly right 90 degrees</a:t>
+            </a:r>
+          </a:p>
+          <a:p>
+            <a:r>
+              <a:rPr lang="en-US" sz="2400" dirty="0" err="1">
+                <a:solidFill>
+                  <a:srgbClr val="00B0F0"/>
+                </a:solidFill>
+                <a:latin typeface="Agency FB" panose="020B0503020202020204" pitchFamily="34" charset="0"/>
+              </a:rPr>
+              <a:t>shelly.backward</a:t>
+            </a:r>
+            <a:r>
+              <a:rPr lang="en-US" sz="2400" dirty="0">
+                <a:solidFill>
+                  <a:srgbClr val="00B0F0"/>
+                </a:solidFill>
+                <a:latin typeface="Agency FB" panose="020B0503020202020204" pitchFamily="34" charset="0"/>
+              </a:rPr>
+              <a:t>(100) # moves shelly backwards100 steps</a:t>
+            </a:r>
+          </a:p>
+          <a:p>
+            <a:r>
+              <a:rPr lang="en-US" sz="2400" dirty="0" err="1">
+                <a:solidFill>
+                  <a:srgbClr val="00B0F0"/>
+                </a:solidFill>
+                <a:latin typeface="Agency FB" panose="020B0503020202020204" pitchFamily="34" charset="0"/>
+              </a:rPr>
+              <a:t>shelly.left</a:t>
+            </a:r>
+            <a:r>
+              <a:rPr lang="en-US" sz="2400" dirty="0">
+                <a:solidFill>
+                  <a:srgbClr val="00B0F0"/>
+                </a:solidFill>
+                <a:latin typeface="Agency FB" panose="020B0503020202020204" pitchFamily="34" charset="0"/>
+              </a:rPr>
+              <a:t>(60)# move shelly left 60 degrees</a:t>
+            </a:r>
+          </a:p>
+          <a:p>
+            <a:endParaRPr lang="en-US" dirty="0">
+              <a:solidFill>
+                <a:schemeClr val="accent6"/>
+              </a:solidFill>
+              <a:latin typeface="Agency FB" panose="020B0503020202020204" pitchFamily="34" charset="0"/>
+            </a:endParaRPr>
+          </a:p>
+          <a:p>
+            <a:endParaRPr lang="en-US" dirty="0">
+              <a:solidFill>
+                <a:schemeClr val="accent6"/>
+              </a:solidFill>
+              <a:latin typeface="Agency FB" panose="020B0503020202020204" pitchFamily="34" charset="0"/>
+            </a:endParaRPr>
+          </a:p>
+        </p:txBody>
+      </p:sp>
+    </p:spTree>
+    <p:extLst>
+      <p:ext uri="{BB962C8B-B14F-4D97-AF65-F5344CB8AC3E}">
+        <p14:creationId xmlns:p14="http://schemas.microsoft.com/office/powerpoint/2010/main" val="2041979340"/>
+      </p:ext>
+    </p:extLst>
+  </p:cSld>
+  <p:clrMapOvr>
+    <a:masterClrMapping/>
+  </p:clrMapOvr>
+</p:sld>
+</file>
+
+<file path=ppt/slides/slide19.xml><?xml version="1.0" encoding="utf-8"?>
+<p:sld xmlns:a="http://schemas.openxmlformats.org/drawingml/2006/main" xmlns:r="http://schemas.openxmlformats.org/officeDocument/2006/relationships" xmlns:p="http://schemas.openxmlformats.org/presentationml/2006/main">
+  <p:cSld>
+    <p:spTree>
+      <p:nvGrpSpPr>
+        <p:cNvPr id="1" name=""/>
+        <p:cNvGrpSpPr/>
+        <p:nvPr/>
+      </p:nvGrpSpPr>
+      <p:grpSpPr>
+        <a:xfrm>
+          <a:off x="0" y="0"/>
+          <a:ext cx="0" cy="0"/>
+          <a:chOff x="0" y="0"/>
+          <a:chExt cx="0" cy="0"/>
+        </a:xfrm>
+      </p:grpSpPr>
+      <p:sp>
+        <p:nvSpPr>
+          <p:cNvPr id="2" name="Title 1">
+            <a:extLst>
+              <a:ext uri="{FF2B5EF4-FFF2-40B4-BE49-F238E27FC236}">
+                <a16:creationId xmlns:a16="http://schemas.microsoft.com/office/drawing/2014/main" id="{C1F0F1B9-4BAE-4637-9630-435EB3D749B5}"/>
+              </a:ext>
+            </a:extLst>
+          </p:cNvPr>
+          <p:cNvSpPr>
+            <a:spLocks noGrp="1"/>
+          </p:cNvSpPr>
+          <p:nvPr>
+            <p:ph type="title"/>
+          </p:nvPr>
+        </p:nvSpPr>
+        <p:spPr/>
+        <p:txBody>
+          <a:bodyPr/>
+          <a:lstStyle/>
+          <a:p>
+            <a:endParaRPr lang="en-US"/>
+          </a:p>
+        </p:txBody>
+      </p:sp>
+      <p:sp>
+        <p:nvSpPr>
+          <p:cNvPr id="3" name="Content Placeholder 2">
+            <a:extLst>
+              <a:ext uri="{FF2B5EF4-FFF2-40B4-BE49-F238E27FC236}">
+                <a16:creationId xmlns:a16="http://schemas.microsoft.com/office/drawing/2014/main" id="{603609A4-5EB1-4C65-A130-61E7001AD9CF}"/>
+              </a:ext>
+            </a:extLst>
+          </p:cNvPr>
+          <p:cNvSpPr>
+            <a:spLocks noGrp="1"/>
+          </p:cNvSpPr>
+          <p:nvPr>
+            <p:ph idx="1"/>
+          </p:nvPr>
+        </p:nvSpPr>
+        <p:spPr/>
+        <p:txBody>
+          <a:bodyPr/>
+          <a:lstStyle/>
+          <a:p>
+            <a:r>
+              <a:rPr lang="en-US" dirty="0" err="1">
+                <a:latin typeface="Agency FB" panose="020B0503020202020204" pitchFamily="34" charset="0"/>
+              </a:rPr>
+              <a:t>Pseducode</a:t>
+            </a:r>
+            <a:endParaRPr lang="en-US" dirty="0">
+              <a:latin typeface="Agency FB" panose="020B0503020202020204" pitchFamily="34" charset="0"/>
+            </a:endParaRPr>
+          </a:p>
+          <a:p>
+            <a:pPr lvl="1"/>
+            <a:r>
+              <a:rPr lang="en-US" dirty="0">
+                <a:latin typeface="Agency FB" panose="020B0503020202020204" pitchFamily="34" charset="0"/>
+              </a:rPr>
+              <a:t>Move 100 steps forward</a:t>
+            </a:r>
+          </a:p>
+          <a:p>
+            <a:pPr lvl="1"/>
+            <a:r>
+              <a:rPr lang="en-US" dirty="0">
+                <a:latin typeface="Agency FB" panose="020B0503020202020204" pitchFamily="34" charset="0"/>
+              </a:rPr>
+              <a:t>Turn 90 degrees to the left</a:t>
+            </a:r>
+          </a:p>
+          <a:p>
+            <a:pPr lvl="1"/>
+            <a:r>
+              <a:rPr lang="en-US" dirty="0">
+                <a:latin typeface="Agency FB" panose="020B0503020202020204" pitchFamily="34" charset="0"/>
+              </a:rPr>
+              <a:t>Move 100 steps forward</a:t>
+            </a:r>
+          </a:p>
+          <a:p>
+            <a:pPr lvl="1"/>
+            <a:r>
+              <a:rPr lang="en-US" dirty="0">
+                <a:latin typeface="Agency FB" panose="020B0503020202020204" pitchFamily="34" charset="0"/>
+              </a:rPr>
+              <a:t>Turn 90 degrees to the left</a:t>
+            </a:r>
+          </a:p>
+          <a:p>
+            <a:pPr lvl="1"/>
+            <a:r>
+              <a:rPr lang="en-US" dirty="0">
+                <a:latin typeface="Agency FB" panose="020B0503020202020204" pitchFamily="34" charset="0"/>
+              </a:rPr>
+              <a:t>Move 100 steps forward</a:t>
+            </a:r>
+          </a:p>
+          <a:p>
+            <a:pPr lvl="1"/>
+            <a:r>
+              <a:rPr lang="en-US" dirty="0">
+                <a:latin typeface="Agency FB" panose="020B0503020202020204" pitchFamily="34" charset="0"/>
+              </a:rPr>
+              <a:t>Turn 90 degrees to the left</a:t>
+            </a:r>
+          </a:p>
+          <a:p>
+            <a:pPr lvl="1"/>
+            <a:r>
+              <a:rPr lang="en-US" dirty="0">
+                <a:latin typeface="Agency FB" panose="020B0503020202020204" pitchFamily="34" charset="0"/>
+              </a:rPr>
+              <a:t>Move 100 steps forward</a:t>
+            </a:r>
+          </a:p>
+          <a:p>
+            <a:pPr lvl="1"/>
+            <a:r>
+              <a:rPr lang="en-US" dirty="0">
+                <a:latin typeface="Agency FB" panose="020B0503020202020204" pitchFamily="34" charset="0"/>
+              </a:rPr>
+              <a:t>Turn 90 degrees to the left</a:t>
+            </a:r>
+          </a:p>
+        </p:txBody>
+      </p:sp>
+    </p:spTree>
+    <p:extLst>
+      <p:ext uri="{BB962C8B-B14F-4D97-AF65-F5344CB8AC3E}">
+        <p14:creationId xmlns:p14="http://schemas.microsoft.com/office/powerpoint/2010/main" val="3912173765"/>
       </p:ext>
     </p:extLst>
   </p:cSld>
@@ -4108,6 +6240,831 @@
     <p:extLst>
       <p:ext uri="{BB962C8B-B14F-4D97-AF65-F5344CB8AC3E}">
         <p14:creationId xmlns:p14="http://schemas.microsoft.com/office/powerpoint/2010/main" val="1412521977"/>
+      </p:ext>
+    </p:extLst>
+  </p:cSld>
+  <p:clrMapOvr>
+    <a:masterClrMapping/>
+  </p:clrMapOvr>
+</p:sld>
+</file>
+
+<file path=ppt/slides/slide20.xml><?xml version="1.0" encoding="utf-8"?>
+<p:sld xmlns:a="http://schemas.openxmlformats.org/drawingml/2006/main" xmlns:r="http://schemas.openxmlformats.org/officeDocument/2006/relationships" xmlns:p="http://schemas.openxmlformats.org/presentationml/2006/main">
+  <p:cSld>
+    <p:spTree>
+      <p:nvGrpSpPr>
+        <p:cNvPr id="1" name=""/>
+        <p:cNvGrpSpPr/>
+        <p:nvPr/>
+      </p:nvGrpSpPr>
+      <p:grpSpPr>
+        <a:xfrm>
+          <a:off x="0" y="0"/>
+          <a:ext cx="0" cy="0"/>
+          <a:chOff x="0" y="0"/>
+          <a:chExt cx="0" cy="0"/>
+        </a:xfrm>
+      </p:grpSpPr>
+      <p:sp>
+        <p:nvSpPr>
+          <p:cNvPr id="2" name="Title 1">
+            <a:extLst>
+              <a:ext uri="{FF2B5EF4-FFF2-40B4-BE49-F238E27FC236}">
+                <a16:creationId xmlns:a16="http://schemas.microsoft.com/office/drawing/2014/main" id="{ABFC7DEB-D729-4D5B-AD80-39575DCA568F}"/>
+              </a:ext>
+            </a:extLst>
+          </p:cNvPr>
+          <p:cNvSpPr>
+            <a:spLocks noGrp="1"/>
+          </p:cNvSpPr>
+          <p:nvPr>
+            <p:ph type="title"/>
+          </p:nvPr>
+        </p:nvSpPr>
+        <p:spPr/>
+        <p:txBody>
+          <a:bodyPr/>
+          <a:lstStyle/>
+          <a:p>
+            <a:r>
+              <a:rPr lang="en-US" dirty="0">
+                <a:latin typeface="Agency FB" panose="020B0503020202020204" pitchFamily="34" charset="0"/>
+              </a:rPr>
+              <a:t>LOOPS</a:t>
+            </a:r>
+          </a:p>
+        </p:txBody>
+      </p:sp>
+      <p:sp>
+        <p:nvSpPr>
+          <p:cNvPr id="3" name="Content Placeholder 2">
+            <a:extLst>
+              <a:ext uri="{FF2B5EF4-FFF2-40B4-BE49-F238E27FC236}">
+                <a16:creationId xmlns:a16="http://schemas.microsoft.com/office/drawing/2014/main" id="{B673EBB6-16BB-4245-B499-AF48D5567B30}"/>
+              </a:ext>
+            </a:extLst>
+          </p:cNvPr>
+          <p:cNvSpPr>
+            <a:spLocks noGrp="1"/>
+          </p:cNvSpPr>
+          <p:nvPr>
+            <p:ph idx="1"/>
+          </p:nvPr>
+        </p:nvSpPr>
+        <p:spPr/>
+        <p:txBody>
+          <a:bodyPr/>
+          <a:lstStyle/>
+          <a:p>
+            <a:r>
+              <a:rPr lang="en-US" sz="7200" dirty="0">
+                <a:solidFill>
+                  <a:schemeClr val="accent6"/>
+                </a:solidFill>
+                <a:latin typeface="Agency FB" panose="020B0503020202020204" pitchFamily="34" charset="0"/>
+              </a:rPr>
+              <a:t>For </a:t>
+            </a:r>
+            <a:r>
+              <a:rPr lang="en-US" sz="7200" dirty="0" err="1">
+                <a:solidFill>
+                  <a:srgbClr val="FF9933"/>
+                </a:solidFill>
+                <a:highlight>
+                  <a:srgbClr val="FFFF00"/>
+                </a:highlight>
+                <a:latin typeface="Agency FB" panose="020B0503020202020204" pitchFamily="34" charset="0"/>
+              </a:rPr>
+              <a:t>i</a:t>
+            </a:r>
+            <a:r>
+              <a:rPr lang="en-US" sz="7200" dirty="0">
+                <a:solidFill>
+                  <a:schemeClr val="accent6"/>
+                </a:solidFill>
+                <a:latin typeface="Agency FB" panose="020B0503020202020204" pitchFamily="34" charset="0"/>
+              </a:rPr>
+              <a:t> in range(</a:t>
+            </a:r>
+            <a:r>
+              <a:rPr lang="en-US" sz="7200" dirty="0">
+                <a:solidFill>
+                  <a:srgbClr val="FF99FF"/>
+                </a:solidFill>
+                <a:latin typeface="Agency FB" panose="020B0503020202020204" pitchFamily="34" charset="0"/>
+              </a:rPr>
+              <a:t>4</a:t>
+            </a:r>
+            <a:r>
+              <a:rPr lang="en-US" sz="7200" dirty="0">
+                <a:solidFill>
+                  <a:schemeClr val="accent6"/>
+                </a:solidFill>
+                <a:latin typeface="Agency FB" panose="020B0503020202020204" pitchFamily="34" charset="0"/>
+              </a:rPr>
+              <a:t>)</a:t>
+            </a:r>
+            <a:r>
+              <a:rPr lang="en-US" sz="7200" dirty="0">
+                <a:solidFill>
+                  <a:srgbClr val="FF0000"/>
+                </a:solidFill>
+                <a:latin typeface="Agency FB" panose="020B0503020202020204" pitchFamily="34" charset="0"/>
+              </a:rPr>
+              <a:t>:</a:t>
+            </a:r>
+          </a:p>
+          <a:p>
+            <a:pPr marL="457200" lvl="1" indent="0">
+              <a:buNone/>
+            </a:pPr>
+            <a:r>
+              <a:rPr lang="en-US" sz="3600" dirty="0" err="1">
+                <a:solidFill>
+                  <a:srgbClr val="FF0000"/>
+                </a:solidFill>
+                <a:latin typeface="Agency FB" panose="020B0503020202020204" pitchFamily="34" charset="0"/>
+              </a:rPr>
+              <a:t>Shelly.forward</a:t>
+            </a:r>
+            <a:r>
+              <a:rPr lang="en-US" sz="3600" dirty="0">
+                <a:solidFill>
+                  <a:srgbClr val="FF0000"/>
+                </a:solidFill>
+                <a:latin typeface="Agency FB" panose="020B0503020202020204" pitchFamily="34" charset="0"/>
+              </a:rPr>
+              <a:t>(100)</a:t>
+            </a:r>
+          </a:p>
+          <a:p>
+            <a:pPr marL="457200" lvl="1" indent="0">
+              <a:buNone/>
+            </a:pPr>
+            <a:r>
+              <a:rPr lang="en-US" sz="3600" dirty="0" err="1">
+                <a:solidFill>
+                  <a:srgbClr val="FF0000"/>
+                </a:solidFill>
+                <a:latin typeface="Agency FB" panose="020B0503020202020204" pitchFamily="34" charset="0"/>
+              </a:rPr>
+              <a:t>Shelly.left</a:t>
+            </a:r>
+            <a:r>
+              <a:rPr lang="en-US" sz="3600" dirty="0">
+                <a:solidFill>
+                  <a:srgbClr val="FF0000"/>
+                </a:solidFill>
+                <a:latin typeface="Agency FB" panose="020B0503020202020204" pitchFamily="34" charset="0"/>
+              </a:rPr>
+              <a:t>(90)</a:t>
+            </a:r>
+          </a:p>
+          <a:p>
+            <a:endParaRPr lang="en-US" dirty="0"/>
+          </a:p>
+        </p:txBody>
+      </p:sp>
+      <p:sp>
+        <p:nvSpPr>
+          <p:cNvPr id="4" name="TextBox 3">
+            <a:extLst>
+              <a:ext uri="{FF2B5EF4-FFF2-40B4-BE49-F238E27FC236}">
+                <a16:creationId xmlns:a16="http://schemas.microsoft.com/office/drawing/2014/main" id="{BDBCA4F3-4CCD-44DC-8A68-E14CD89B8F17}"/>
+              </a:ext>
+            </a:extLst>
+          </p:cNvPr>
+          <p:cNvSpPr txBox="1"/>
+          <p:nvPr/>
+        </p:nvSpPr>
+        <p:spPr>
+          <a:xfrm>
+            <a:off x="2026920" y="1617603"/>
+            <a:ext cx="4069080" cy="646331"/>
+          </a:xfrm>
+          <a:prstGeom prst="rect">
+            <a:avLst/>
+          </a:prstGeom>
+          <a:noFill/>
+        </p:spPr>
+        <p:txBody>
+          <a:bodyPr wrap="square" rtlCol="0">
+            <a:spAutoFit/>
+          </a:bodyPr>
+          <a:lstStyle/>
+          <a:p>
+            <a:r>
+              <a:rPr lang="en-US" dirty="0">
+                <a:solidFill>
+                  <a:schemeClr val="accent2"/>
+                </a:solidFill>
+                <a:latin typeface="Agency FB" panose="020B0503020202020204" pitchFamily="34" charset="0"/>
+              </a:rPr>
+              <a:t>I is a counter in a loop, you can use any variable name</a:t>
+            </a:r>
+          </a:p>
+        </p:txBody>
+      </p:sp>
+      <p:sp>
+        <p:nvSpPr>
+          <p:cNvPr id="5" name="TextBox 4">
+            <a:extLst>
+              <a:ext uri="{FF2B5EF4-FFF2-40B4-BE49-F238E27FC236}">
+                <a16:creationId xmlns:a16="http://schemas.microsoft.com/office/drawing/2014/main" id="{70C998F9-ABDC-4CF0-9481-8EB37865AA13}"/>
+              </a:ext>
+            </a:extLst>
+          </p:cNvPr>
+          <p:cNvSpPr txBox="1"/>
+          <p:nvPr/>
+        </p:nvSpPr>
+        <p:spPr>
+          <a:xfrm>
+            <a:off x="5895109" y="1690688"/>
+            <a:ext cx="4069080" cy="923330"/>
+          </a:xfrm>
+          <a:prstGeom prst="rect">
+            <a:avLst/>
+          </a:prstGeom>
+          <a:noFill/>
+        </p:spPr>
+        <p:txBody>
+          <a:bodyPr wrap="square" rtlCol="0">
+            <a:spAutoFit/>
+          </a:bodyPr>
+          <a:lstStyle/>
+          <a:p>
+            <a:r>
+              <a:rPr lang="en-US" dirty="0">
+                <a:highlight>
+                  <a:srgbClr val="FF99FF"/>
+                </a:highlight>
+                <a:latin typeface="Agency FB" panose="020B0503020202020204" pitchFamily="34" charset="0"/>
+              </a:rPr>
+              <a:t>Number of times you want to repeat this loop, this must be an integer (or a variable, </a:t>
+            </a:r>
+            <a:r>
+              <a:rPr lang="en-US" dirty="0" err="1">
+                <a:highlight>
+                  <a:srgbClr val="FF99FF"/>
+                </a:highlight>
+                <a:latin typeface="Agency FB" panose="020B0503020202020204" pitchFamily="34" charset="0"/>
+              </a:rPr>
+              <a:t>whith</a:t>
+            </a:r>
+            <a:r>
+              <a:rPr lang="en-US" dirty="0">
+                <a:highlight>
+                  <a:srgbClr val="FF99FF"/>
+                </a:highlight>
+                <a:latin typeface="Agency FB" panose="020B0503020202020204" pitchFamily="34" charset="0"/>
+              </a:rPr>
+              <a:t> a value which is a integer)</a:t>
+            </a:r>
+          </a:p>
+        </p:txBody>
+      </p:sp>
+    </p:spTree>
+    <p:extLst>
+      <p:ext uri="{BB962C8B-B14F-4D97-AF65-F5344CB8AC3E}">
+        <p14:creationId xmlns:p14="http://schemas.microsoft.com/office/powerpoint/2010/main" val="322015196"/>
+      </p:ext>
+    </p:extLst>
+  </p:cSld>
+  <p:clrMapOvr>
+    <a:masterClrMapping/>
+  </p:clrMapOvr>
+</p:sld>
+</file>
+
+<file path=ppt/slides/slide21.xml><?xml version="1.0" encoding="utf-8"?>
+<p:sld xmlns:a="http://schemas.openxmlformats.org/drawingml/2006/main" xmlns:r="http://schemas.openxmlformats.org/officeDocument/2006/relationships" xmlns:p="http://schemas.openxmlformats.org/presentationml/2006/main">
+  <p:cSld>
+    <p:spTree>
+      <p:nvGrpSpPr>
+        <p:cNvPr id="1" name=""/>
+        <p:cNvGrpSpPr/>
+        <p:nvPr/>
+      </p:nvGrpSpPr>
+      <p:grpSpPr>
+        <a:xfrm>
+          <a:off x="0" y="0"/>
+          <a:ext cx="0" cy="0"/>
+          <a:chOff x="0" y="0"/>
+          <a:chExt cx="0" cy="0"/>
+        </a:xfrm>
+      </p:grpSpPr>
+      <p:sp>
+        <p:nvSpPr>
+          <p:cNvPr id="2" name="Title 1">
+            <a:extLst>
+              <a:ext uri="{FF2B5EF4-FFF2-40B4-BE49-F238E27FC236}">
+                <a16:creationId xmlns:a16="http://schemas.microsoft.com/office/drawing/2014/main" id="{1507B132-8371-43EF-817F-4C025CAF0B66}"/>
+              </a:ext>
+            </a:extLst>
+          </p:cNvPr>
+          <p:cNvSpPr>
+            <a:spLocks noGrp="1"/>
+          </p:cNvSpPr>
+          <p:nvPr>
+            <p:ph type="title"/>
+          </p:nvPr>
+        </p:nvSpPr>
+        <p:spPr/>
+        <p:txBody>
+          <a:bodyPr/>
+          <a:lstStyle/>
+          <a:p>
+            <a:endParaRPr lang="en-US"/>
+          </a:p>
+        </p:txBody>
+      </p:sp>
+      <p:sp>
+        <p:nvSpPr>
+          <p:cNvPr id="3" name="Content Placeholder 2">
+            <a:extLst>
+              <a:ext uri="{FF2B5EF4-FFF2-40B4-BE49-F238E27FC236}">
+                <a16:creationId xmlns:a16="http://schemas.microsoft.com/office/drawing/2014/main" id="{1D55F903-281B-45B5-8C76-AECD39B288A1}"/>
+              </a:ext>
+            </a:extLst>
+          </p:cNvPr>
+          <p:cNvSpPr>
+            <a:spLocks noGrp="1"/>
+          </p:cNvSpPr>
+          <p:nvPr>
+            <p:ph idx="1"/>
+          </p:nvPr>
+        </p:nvSpPr>
+        <p:spPr/>
+        <p:txBody>
+          <a:bodyPr/>
+          <a:lstStyle/>
+          <a:p>
+            <a:r>
+              <a:rPr lang="en-US" dirty="0"/>
+              <a:t>Pseudocode:</a:t>
+            </a:r>
+          </a:p>
+          <a:p>
+            <a:pPr lvl="1"/>
+            <a:r>
+              <a:rPr lang="en-US" dirty="0"/>
+              <a:t>Repeat 4 times the following:</a:t>
+            </a:r>
+          </a:p>
+          <a:p>
+            <a:pPr lvl="2"/>
+            <a:r>
+              <a:rPr lang="en-US" dirty="0"/>
+              <a:t>Move 100 steps forward</a:t>
+            </a:r>
+          </a:p>
+          <a:p>
+            <a:pPr lvl="2"/>
+            <a:r>
+              <a:rPr lang="en-US" dirty="0"/>
+              <a:t>Turn 90 degree to the left</a:t>
+            </a:r>
+          </a:p>
+        </p:txBody>
+      </p:sp>
+    </p:spTree>
+    <p:extLst>
+      <p:ext uri="{BB962C8B-B14F-4D97-AF65-F5344CB8AC3E}">
+        <p14:creationId xmlns:p14="http://schemas.microsoft.com/office/powerpoint/2010/main" val="2458083709"/>
+      </p:ext>
+    </p:extLst>
+  </p:cSld>
+  <p:clrMapOvr>
+    <a:masterClrMapping/>
+  </p:clrMapOvr>
+</p:sld>
+</file>
+
+<file path=ppt/slides/slide22.xml><?xml version="1.0" encoding="utf-8"?>
+<p:sld xmlns:a="http://schemas.openxmlformats.org/drawingml/2006/main" xmlns:r="http://schemas.openxmlformats.org/officeDocument/2006/relationships" xmlns:p="http://schemas.openxmlformats.org/presentationml/2006/main">
+  <p:cSld>
+    <p:spTree>
+      <p:nvGrpSpPr>
+        <p:cNvPr id="1" name=""/>
+        <p:cNvGrpSpPr/>
+        <p:nvPr/>
+      </p:nvGrpSpPr>
+      <p:grpSpPr>
+        <a:xfrm>
+          <a:off x="0" y="0"/>
+          <a:ext cx="0" cy="0"/>
+          <a:chOff x="0" y="0"/>
+          <a:chExt cx="0" cy="0"/>
+        </a:xfrm>
+      </p:grpSpPr>
+      <p:sp>
+        <p:nvSpPr>
+          <p:cNvPr id="2" name="Title 1">
+            <a:extLst>
+              <a:ext uri="{FF2B5EF4-FFF2-40B4-BE49-F238E27FC236}">
+                <a16:creationId xmlns:a16="http://schemas.microsoft.com/office/drawing/2014/main" id="{3594F0EB-6D58-4D93-954C-8D72C64A4D59}"/>
+              </a:ext>
+            </a:extLst>
+          </p:cNvPr>
+          <p:cNvSpPr>
+            <a:spLocks noGrp="1"/>
+          </p:cNvSpPr>
+          <p:nvPr>
+            <p:ph type="title"/>
+          </p:nvPr>
+        </p:nvSpPr>
+        <p:spPr/>
+        <p:txBody>
+          <a:bodyPr/>
+          <a:lstStyle/>
+          <a:p>
+            <a:r>
+              <a:rPr lang="en-US" dirty="0"/>
+              <a:t>Lesson 3’s  big ideas</a:t>
+            </a:r>
+          </a:p>
+        </p:txBody>
+      </p:sp>
+      <p:sp>
+        <p:nvSpPr>
+          <p:cNvPr id="3" name="Content Placeholder 2">
+            <a:extLst>
+              <a:ext uri="{FF2B5EF4-FFF2-40B4-BE49-F238E27FC236}">
+                <a16:creationId xmlns:a16="http://schemas.microsoft.com/office/drawing/2014/main" id="{15038B3E-16E5-4C3C-90FB-FDF6B5A151CC}"/>
+              </a:ext>
+            </a:extLst>
+          </p:cNvPr>
+          <p:cNvSpPr>
+            <a:spLocks noGrp="1"/>
+          </p:cNvSpPr>
+          <p:nvPr>
+            <p:ph idx="1"/>
+          </p:nvPr>
+        </p:nvSpPr>
+        <p:spPr/>
+        <p:txBody>
+          <a:bodyPr/>
+          <a:lstStyle/>
+          <a:p>
+            <a:r>
+              <a:rPr lang="en-US" dirty="0"/>
+              <a:t>Turtle Graphics </a:t>
+            </a:r>
+          </a:p>
+          <a:p>
+            <a:r>
+              <a:rPr lang="en-US" dirty="0"/>
+              <a:t>Doing Loop in python</a:t>
+            </a:r>
+          </a:p>
+          <a:p>
+            <a:endParaRPr lang="en-US" dirty="0"/>
+          </a:p>
+        </p:txBody>
+      </p:sp>
+    </p:spTree>
+    <p:extLst>
+      <p:ext uri="{BB962C8B-B14F-4D97-AF65-F5344CB8AC3E}">
+        <p14:creationId xmlns:p14="http://schemas.microsoft.com/office/powerpoint/2010/main" val="912845543"/>
+      </p:ext>
+    </p:extLst>
+  </p:cSld>
+  <p:clrMapOvr>
+    <a:masterClrMapping/>
+  </p:clrMapOvr>
+</p:sld>
+</file>
+
+<file path=ppt/slides/slide23.xml><?xml version="1.0" encoding="utf-8"?>
+<p:sld xmlns:a="http://schemas.openxmlformats.org/drawingml/2006/main" xmlns:r="http://schemas.openxmlformats.org/officeDocument/2006/relationships" xmlns:p="http://schemas.openxmlformats.org/presentationml/2006/main">
+  <p:cSld>
+    <p:spTree>
+      <p:nvGrpSpPr>
+        <p:cNvPr id="1" name=""/>
+        <p:cNvGrpSpPr/>
+        <p:nvPr/>
+      </p:nvGrpSpPr>
+      <p:grpSpPr>
+        <a:xfrm>
+          <a:off x="0" y="0"/>
+          <a:ext cx="0" cy="0"/>
+          <a:chOff x="0" y="0"/>
+          <a:chExt cx="0" cy="0"/>
+        </a:xfrm>
+      </p:grpSpPr>
+      <p:sp>
+        <p:nvSpPr>
+          <p:cNvPr id="4" name="Title 3">
+            <a:extLst>
+              <a:ext uri="{FF2B5EF4-FFF2-40B4-BE49-F238E27FC236}">
+                <a16:creationId xmlns:a16="http://schemas.microsoft.com/office/drawing/2014/main" id="{05256A9A-A161-4841-8EB7-40D3E5EE174D}"/>
+              </a:ext>
+            </a:extLst>
+          </p:cNvPr>
+          <p:cNvSpPr>
+            <a:spLocks noGrp="1"/>
+          </p:cNvSpPr>
+          <p:nvPr>
+            <p:ph type="title"/>
+          </p:nvPr>
+        </p:nvSpPr>
+        <p:spPr>
+          <a:xfrm>
+            <a:off x="838200" y="365125"/>
+            <a:ext cx="10515600" cy="1325563"/>
+          </a:xfrm>
+          <a:prstGeom prst="rect">
+            <a:avLst/>
+          </a:prstGeom>
+        </p:spPr>
+        <p:txBody>
+          <a:bodyPr wrap="none">
+            <a:spAutoFit/>
+          </a:bodyPr>
+          <a:lstStyle/>
+          <a:p>
+            <a:r>
+              <a:rPr lang="en-US" dirty="0">
+                <a:latin typeface="Agency FB" panose="020B0503020202020204" pitchFamily="34" charset="0"/>
+              </a:rPr>
+              <a:t>Extra Project:  Investment calculator</a:t>
+            </a:r>
+          </a:p>
+        </p:txBody>
+      </p:sp>
+      <p:sp>
+        <p:nvSpPr>
+          <p:cNvPr id="5" name="TextBox 4">
+            <a:extLst>
+              <a:ext uri="{FF2B5EF4-FFF2-40B4-BE49-F238E27FC236}">
+                <a16:creationId xmlns:a16="http://schemas.microsoft.com/office/drawing/2014/main" id="{4D9B9679-2E4B-4C85-9F14-5B27159E09D5}"/>
+              </a:ext>
+            </a:extLst>
+          </p:cNvPr>
+          <p:cNvSpPr txBox="1"/>
+          <p:nvPr/>
+        </p:nvSpPr>
+        <p:spPr>
+          <a:xfrm>
+            <a:off x="482897" y="2648380"/>
+            <a:ext cx="4187192" cy="1754326"/>
+          </a:xfrm>
+          <a:prstGeom prst="rect">
+            <a:avLst/>
+          </a:prstGeom>
+          <a:noFill/>
+          <a:ln>
+            <a:solidFill>
+              <a:schemeClr val="accent2">
+                <a:lumMod val="75000"/>
+              </a:schemeClr>
+            </a:solidFill>
+          </a:ln>
+        </p:spPr>
+        <p:txBody>
+          <a:bodyPr wrap="square" rtlCol="0">
+            <a:spAutoFit/>
+          </a:bodyPr>
+          <a:lstStyle/>
+          <a:p>
+            <a:r>
+              <a:rPr lang="en-US" dirty="0">
+                <a:latin typeface="Agency FB" panose="020B0503020202020204" pitchFamily="34" charset="0"/>
+              </a:rPr>
+              <a:t>Calculate how much I can earn after a few years of investment.</a:t>
+            </a:r>
+          </a:p>
+          <a:p>
+            <a:r>
+              <a:rPr lang="en-US" dirty="0">
+                <a:latin typeface="Agency FB" panose="020B0503020202020204" pitchFamily="34" charset="0"/>
+              </a:rPr>
+              <a:t>Input my principle</a:t>
+            </a:r>
+          </a:p>
+          <a:p>
+            <a:r>
+              <a:rPr lang="en-US" dirty="0">
+                <a:latin typeface="Agency FB" panose="020B0503020202020204" pitchFamily="34" charset="0"/>
+              </a:rPr>
+              <a:t>Input my return rate</a:t>
+            </a:r>
+          </a:p>
+          <a:p>
+            <a:r>
+              <a:rPr lang="en-US" dirty="0">
+                <a:latin typeface="Agency FB" panose="020B0503020202020204" pitchFamily="34" charset="0"/>
+              </a:rPr>
+              <a:t>Input how many years I want to put the money in this financial  agency</a:t>
+            </a:r>
+          </a:p>
+        </p:txBody>
+      </p:sp>
+      <p:sp>
+        <p:nvSpPr>
+          <p:cNvPr id="6" name="TextBox 5">
+            <a:extLst>
+              <a:ext uri="{FF2B5EF4-FFF2-40B4-BE49-F238E27FC236}">
+                <a16:creationId xmlns:a16="http://schemas.microsoft.com/office/drawing/2014/main" id="{63763ED7-F80C-4AB3-BEEF-1EEAF5C5CB53}"/>
+              </a:ext>
+            </a:extLst>
+          </p:cNvPr>
+          <p:cNvSpPr txBox="1"/>
+          <p:nvPr/>
+        </p:nvSpPr>
+        <p:spPr>
+          <a:xfrm>
+            <a:off x="5448366" y="4802747"/>
+            <a:ext cx="5291678" cy="646331"/>
+          </a:xfrm>
+          <a:prstGeom prst="rect">
+            <a:avLst/>
+          </a:prstGeom>
+          <a:noFill/>
+          <a:ln>
+            <a:solidFill>
+              <a:schemeClr val="accent2">
+                <a:lumMod val="75000"/>
+              </a:schemeClr>
+            </a:solidFill>
+          </a:ln>
+        </p:spPr>
+        <p:txBody>
+          <a:bodyPr wrap="square" rtlCol="0">
+            <a:spAutoFit/>
+          </a:bodyPr>
+          <a:lstStyle/>
+          <a:p>
+            <a:r>
+              <a:rPr lang="en-US" dirty="0">
+                <a:latin typeface="Agency FB" panose="020B0503020202020204" pitchFamily="34" charset="0"/>
+              </a:rPr>
+              <a:t>Repeat n years:</a:t>
+            </a:r>
+          </a:p>
+          <a:p>
+            <a:r>
+              <a:rPr lang="en-US" dirty="0">
+                <a:latin typeface="Agency FB" panose="020B0503020202020204" pitchFamily="34" charset="0"/>
+              </a:rPr>
+              <a:t>	principle=</a:t>
+            </a:r>
+            <a:r>
+              <a:rPr lang="en-US" dirty="0" err="1">
+                <a:latin typeface="Agency FB" panose="020B0503020202020204" pitchFamily="34" charset="0"/>
+              </a:rPr>
+              <a:t>principle+principle</a:t>
+            </a:r>
+            <a:r>
+              <a:rPr lang="en-US" dirty="0">
+                <a:latin typeface="Agency FB" panose="020B0503020202020204" pitchFamily="34" charset="0"/>
+              </a:rPr>
+              <a:t>*return rate</a:t>
+            </a:r>
+          </a:p>
+        </p:txBody>
+      </p:sp>
+      <p:sp>
+        <p:nvSpPr>
+          <p:cNvPr id="7" name="TextBox 6">
+            <a:extLst>
+              <a:ext uri="{FF2B5EF4-FFF2-40B4-BE49-F238E27FC236}">
+                <a16:creationId xmlns:a16="http://schemas.microsoft.com/office/drawing/2014/main" id="{560C2928-99DA-4D3D-B68E-F7E4B1D30D88}"/>
+              </a:ext>
+            </a:extLst>
+          </p:cNvPr>
+          <p:cNvSpPr txBox="1"/>
+          <p:nvPr/>
+        </p:nvSpPr>
+        <p:spPr>
+          <a:xfrm>
+            <a:off x="5639557" y="2126184"/>
+            <a:ext cx="5291678" cy="369332"/>
+          </a:xfrm>
+          <a:prstGeom prst="rect">
+            <a:avLst/>
+          </a:prstGeom>
+          <a:noFill/>
+          <a:ln>
+            <a:solidFill>
+              <a:schemeClr val="accent2">
+                <a:lumMod val="75000"/>
+              </a:schemeClr>
+            </a:solidFill>
+          </a:ln>
+        </p:spPr>
+        <p:txBody>
+          <a:bodyPr wrap="square" rtlCol="0">
+            <a:spAutoFit/>
+          </a:bodyPr>
+          <a:lstStyle/>
+          <a:p>
+            <a:r>
+              <a:rPr lang="en-US" dirty="0">
+                <a:latin typeface="Agency FB" panose="020B0503020202020204" pitchFamily="34" charset="0"/>
+              </a:rPr>
+              <a:t>	total=principle*(1+return rate)^n</a:t>
+            </a:r>
+          </a:p>
+        </p:txBody>
+      </p:sp>
+      <p:sp>
+        <p:nvSpPr>
+          <p:cNvPr id="8" name="Arrow: Right 7">
+            <a:extLst>
+              <a:ext uri="{FF2B5EF4-FFF2-40B4-BE49-F238E27FC236}">
+                <a16:creationId xmlns:a16="http://schemas.microsoft.com/office/drawing/2014/main" id="{49C6B05A-0FA4-42BA-B761-C0C2D081E0A2}"/>
+              </a:ext>
+            </a:extLst>
+          </p:cNvPr>
+          <p:cNvSpPr/>
+          <p:nvPr/>
+        </p:nvSpPr>
+        <p:spPr>
+          <a:xfrm rot="20197608">
+            <a:off x="4690352" y="2349223"/>
+            <a:ext cx="806335" cy="314771"/>
+          </a:xfrm>
+          <a:prstGeom prst="rightArrow">
+            <a:avLst/>
+          </a:prstGeom>
+        </p:spPr>
+        <p:style>
+          <a:lnRef idx="2">
+            <a:schemeClr val="accent1">
+              <a:shade val="50000"/>
+            </a:schemeClr>
+          </a:lnRef>
+          <a:fillRef idx="1">
+            <a:schemeClr val="accent1"/>
+          </a:fillRef>
+          <a:effectRef idx="0">
+            <a:schemeClr val="accent1"/>
+          </a:effectRef>
+          <a:fontRef idx="minor">
+            <a:schemeClr val="lt1"/>
+          </a:fontRef>
+        </p:style>
+        <p:txBody>
+          <a:bodyPr rtlCol="0" anchor="ctr"/>
+          <a:lstStyle/>
+          <a:p>
+            <a:pPr algn="ctr"/>
+            <a:endParaRPr lang="en-US"/>
+          </a:p>
+        </p:txBody>
+      </p:sp>
+      <p:sp>
+        <p:nvSpPr>
+          <p:cNvPr id="9" name="Arrow: Right 8">
+            <a:extLst>
+              <a:ext uri="{FF2B5EF4-FFF2-40B4-BE49-F238E27FC236}">
+                <a16:creationId xmlns:a16="http://schemas.microsoft.com/office/drawing/2014/main" id="{E8BF2D5D-5AEB-409E-9EB0-A2119D4A8F28}"/>
+              </a:ext>
+            </a:extLst>
+          </p:cNvPr>
+          <p:cNvSpPr/>
+          <p:nvPr/>
+        </p:nvSpPr>
+        <p:spPr>
+          <a:xfrm rot="3237017">
+            <a:off x="4631428" y="4645360"/>
+            <a:ext cx="806335" cy="314771"/>
+          </a:xfrm>
+          <a:prstGeom prst="rightArrow">
+            <a:avLst/>
+          </a:prstGeom>
+        </p:spPr>
+        <p:style>
+          <a:lnRef idx="2">
+            <a:schemeClr val="accent1">
+              <a:shade val="50000"/>
+            </a:schemeClr>
+          </a:lnRef>
+          <a:fillRef idx="1">
+            <a:schemeClr val="accent1"/>
+          </a:fillRef>
+          <a:effectRef idx="0">
+            <a:schemeClr val="accent1"/>
+          </a:effectRef>
+          <a:fontRef idx="minor">
+            <a:schemeClr val="lt1"/>
+          </a:fontRef>
+        </p:style>
+        <p:txBody>
+          <a:bodyPr rtlCol="0" anchor="ctr"/>
+          <a:lstStyle/>
+          <a:p>
+            <a:pPr algn="ctr"/>
+            <a:endParaRPr lang="en-US"/>
+          </a:p>
+        </p:txBody>
+      </p:sp>
+    </p:spTree>
+    <p:extLst>
+      <p:ext uri="{BB962C8B-B14F-4D97-AF65-F5344CB8AC3E}">
+        <p14:creationId xmlns:p14="http://schemas.microsoft.com/office/powerpoint/2010/main" val="291543149"/>
       </p:ext>
     </p:extLst>
   </p:cSld>
@@ -5505,7 +8462,19 @@
               <a:rPr lang="en-US" dirty="0">
                 <a:latin typeface="Agency FB" panose="020B0503020202020204" pitchFamily="34" charset="0"/>
               </a:rPr>
-              <a:t>A lot of good book is translated to English and most of top-level research paper is written by English</a:t>
+              <a:t>A lot of good book</a:t>
+            </a:r>
+            <a:r>
+              <a:rPr lang="en-US" altLang="zh-CN" dirty="0">
+                <a:latin typeface="Agency FB" panose="020B0503020202020204" pitchFamily="34" charset="0"/>
+              </a:rPr>
+              <a:t>s</a:t>
+            </a:r>
+            <a:r>
+              <a:rPr lang="en-US" dirty="0">
+                <a:latin typeface="Agency FB" panose="020B0503020202020204" pitchFamily="34" charset="0"/>
+              </a:rPr>
+              <a:t> are translated to English and most of top-level research paper is written by English</a:t>
             </a:r>
           </a:p>
           <a:p>
@@ -7834,490 +10803,58 @@
       </p:grpSpPr>
       <p:sp>
         <p:nvSpPr>
-          <p:cNvPr id="4" name="Rectangle 3">
-            <a:extLst>
-              <a:ext uri="{FF2B5EF4-FFF2-40B4-BE49-F238E27FC236}">
-                <a16:creationId xmlns:a16="http://schemas.microsoft.com/office/drawing/2014/main" id="{9C028B29-B637-4A3F-AD8F-F773F7060213}"/>
-              </a:ext>
-            </a:extLst>
-          </p:cNvPr>
-          <p:cNvSpPr/>
-          <p:nvPr/>
-        </p:nvSpPr>
-        <p:spPr>
-          <a:xfrm>
-            <a:off x="1231115" y="2956837"/>
-            <a:ext cx="2510444" cy="2992582"/>
-          </a:xfrm>
-          <a:prstGeom prst="rect">
-            <a:avLst/>
-          </a:prstGeom>
-          <a:ln w="57150"/>
-        </p:spPr>
-        <p:style>
-          <a:lnRef idx="2">
-            <a:schemeClr val="accent1"/>
-          </a:lnRef>
-          <a:fillRef idx="1">
-            <a:schemeClr val="lt1"/>
-          </a:fillRef>
-          <a:effectRef idx="0">
-            <a:schemeClr val="accent1"/>
-          </a:effectRef>
-          <a:fontRef idx="minor">
-            <a:schemeClr val="dk1"/>
-          </a:fontRef>
-        </p:style>
-        <p:txBody>
-          <a:bodyPr rtlCol="0" anchor="ctr"/>
-          <a:lstStyle/>
-          <a:p>
-            <a:pPr algn="ctr"/>
-            <a:r>
-              <a:rPr lang="en-US" sz="3600" dirty="0">
-                <a:latin typeface="Agency FB" panose="020B0503020202020204" pitchFamily="34" charset="0"/>
-              </a:rPr>
-              <a:t>Str</a:t>
-            </a:r>
-          </a:p>
-        </p:txBody>
-      </p:sp>
-      <p:sp>
-        <p:nvSpPr>
-          <p:cNvPr id="5" name="Rectangle 4">
-            <a:extLst>
-              <a:ext uri="{FF2B5EF4-FFF2-40B4-BE49-F238E27FC236}">
-                <a16:creationId xmlns:a16="http://schemas.microsoft.com/office/drawing/2014/main" id="{7D21BE05-1154-41B0-86A4-A16BAAB47BDE}"/>
-              </a:ext>
-            </a:extLst>
-          </p:cNvPr>
-          <p:cNvSpPr/>
-          <p:nvPr/>
-        </p:nvSpPr>
-        <p:spPr>
-          <a:xfrm>
-            <a:off x="7467323" y="2801389"/>
-            <a:ext cx="2510444" cy="2992582"/>
-          </a:xfrm>
-          <a:prstGeom prst="rect">
-            <a:avLst/>
-          </a:prstGeom>
-          <a:ln w="57150">
-            <a:solidFill>
-              <a:schemeClr val="accent6"/>
-            </a:solidFill>
-          </a:ln>
-        </p:spPr>
-        <p:style>
-          <a:lnRef idx="2">
-            <a:schemeClr val="accent1"/>
-          </a:lnRef>
-          <a:fillRef idx="1">
-            <a:schemeClr val="lt1"/>
-          </a:fillRef>
-          <a:effectRef idx="0">
-            <a:schemeClr val="accent1"/>
-          </a:effectRef>
-          <a:fontRef idx="minor">
-            <a:schemeClr val="dk1"/>
-          </a:fontRef>
-        </p:style>
-        <p:txBody>
-          <a:bodyPr rtlCol="0" anchor="ctr"/>
-          <a:lstStyle/>
-          <a:p>
-            <a:pPr algn="ctr"/>
-            <a:r>
-              <a:rPr lang="en-US" sz="3600" dirty="0">
-                <a:latin typeface="Agency FB" panose="020B0503020202020204" pitchFamily="34" charset="0"/>
-              </a:rPr>
-              <a:t>Variable</a:t>
-            </a:r>
-          </a:p>
-        </p:txBody>
-      </p:sp>
-      <p:sp>
-        <p:nvSpPr>
-          <p:cNvPr id="6" name="TextBox 5">
-            <a:extLst>
-              <a:ext uri="{FF2B5EF4-FFF2-40B4-BE49-F238E27FC236}">
-                <a16:creationId xmlns:a16="http://schemas.microsoft.com/office/drawing/2014/main" id="{701357EF-9AEB-42C3-955E-29F0E6714964}"/>
-              </a:ext>
-            </a:extLst>
-          </p:cNvPr>
-          <p:cNvSpPr txBox="1"/>
-          <p:nvPr/>
-        </p:nvSpPr>
-        <p:spPr>
-          <a:xfrm>
-            <a:off x="3511296" y="1024128"/>
-            <a:ext cx="1216152" cy="461665"/>
-          </a:xfrm>
-          <a:prstGeom prst="rect">
-            <a:avLst/>
-          </a:prstGeom>
-          <a:solidFill>
-            <a:schemeClr val="accent2">
-              <a:lumMod val="60000"/>
-              <a:lumOff val="40000"/>
-            </a:schemeClr>
-          </a:solidFill>
-        </p:spPr>
-        <p:txBody>
-          <a:bodyPr wrap="square" rtlCol="0">
-            <a:spAutoFit/>
-          </a:bodyPr>
-          <a:lstStyle/>
-          <a:p>
-            <a:r>
-              <a:rPr lang="en-US" sz="2400" dirty="0">
-                <a:latin typeface="Agency FB" panose="020B0503020202020204" pitchFamily="34" charset="0"/>
-              </a:rPr>
-              <a:t>‘Name’</a:t>
-            </a:r>
-          </a:p>
-        </p:txBody>
-      </p:sp>
-      <p:sp>
-        <p:nvSpPr>
-          <p:cNvPr id="7" name="TextBox 6">
-            <a:extLst>
-              <a:ext uri="{FF2B5EF4-FFF2-40B4-BE49-F238E27FC236}">
-                <a16:creationId xmlns:a16="http://schemas.microsoft.com/office/drawing/2014/main" id="{0125454C-F78D-4FF6-96E3-2BD00588D2C8}"/>
-              </a:ext>
-            </a:extLst>
-          </p:cNvPr>
-          <p:cNvSpPr txBox="1"/>
-          <p:nvPr/>
-        </p:nvSpPr>
-        <p:spPr>
-          <a:xfrm>
-            <a:off x="5032248" y="1024128"/>
-            <a:ext cx="1216152" cy="461665"/>
-          </a:xfrm>
-          <a:prstGeom prst="rect">
-            <a:avLst/>
-          </a:prstGeom>
-          <a:solidFill>
-            <a:schemeClr val="accent2">
-              <a:lumMod val="60000"/>
-              <a:lumOff val="40000"/>
-            </a:schemeClr>
-          </a:solidFill>
-        </p:spPr>
-        <p:txBody>
-          <a:bodyPr wrap="square" rtlCol="0">
-            <a:spAutoFit/>
-          </a:bodyPr>
-          <a:lstStyle/>
-          <a:p>
-            <a:r>
-              <a:rPr lang="en-US" sz="2400" dirty="0">
-                <a:latin typeface="Agency FB" panose="020B0503020202020204" pitchFamily="34" charset="0"/>
-              </a:rPr>
-              <a:t>‘Apple’</a:t>
-            </a:r>
-          </a:p>
-        </p:txBody>
-      </p:sp>
-      <p:sp>
-        <p:nvSpPr>
-          <p:cNvPr id="8" name="TextBox 7">
-            <a:extLst>
-              <a:ext uri="{FF2B5EF4-FFF2-40B4-BE49-F238E27FC236}">
-                <a16:creationId xmlns:a16="http://schemas.microsoft.com/office/drawing/2014/main" id="{8E738896-C7C4-4777-8363-F1CDD82F5AE5}"/>
-              </a:ext>
-            </a:extLst>
-          </p:cNvPr>
-          <p:cNvSpPr txBox="1"/>
-          <p:nvPr/>
-        </p:nvSpPr>
-        <p:spPr>
-          <a:xfrm>
-            <a:off x="5640324" y="1798320"/>
-            <a:ext cx="1216152" cy="461665"/>
-          </a:xfrm>
-          <a:prstGeom prst="rect">
-            <a:avLst/>
-          </a:prstGeom>
-          <a:solidFill>
-            <a:schemeClr val="accent2">
-              <a:lumMod val="60000"/>
-              <a:lumOff val="40000"/>
-            </a:schemeClr>
-          </a:solidFill>
-        </p:spPr>
-        <p:txBody>
-          <a:bodyPr wrap="square" rtlCol="0">
-            <a:spAutoFit/>
-          </a:bodyPr>
-          <a:lstStyle/>
-          <a:p>
-            <a:r>
-              <a:rPr lang="en-US" sz="2400" dirty="0">
-                <a:latin typeface="Agency FB" panose="020B0503020202020204" pitchFamily="34" charset="0"/>
-              </a:rPr>
-              <a:t>a</a:t>
-            </a:r>
-          </a:p>
-        </p:txBody>
-      </p:sp>
-      <p:sp>
-        <p:nvSpPr>
-          <p:cNvPr id="9" name="TextBox 8">
-            <a:extLst>
-              <a:ext uri="{FF2B5EF4-FFF2-40B4-BE49-F238E27FC236}">
-                <a16:creationId xmlns:a16="http://schemas.microsoft.com/office/drawing/2014/main" id="{F4F38104-3B2C-4EF5-ACDC-DD161E3623ED}"/>
-              </a:ext>
-            </a:extLst>
-          </p:cNvPr>
-          <p:cNvSpPr txBox="1"/>
-          <p:nvPr/>
-        </p:nvSpPr>
-        <p:spPr>
-          <a:xfrm>
-            <a:off x="4119372" y="1973611"/>
-            <a:ext cx="1216152" cy="461665"/>
-          </a:xfrm>
-          <a:prstGeom prst="rect">
-            <a:avLst/>
-          </a:prstGeom>
-          <a:solidFill>
-            <a:schemeClr val="accent2">
-              <a:lumMod val="60000"/>
-              <a:lumOff val="40000"/>
-            </a:schemeClr>
-          </a:solidFill>
-        </p:spPr>
-        <p:txBody>
-          <a:bodyPr wrap="square" rtlCol="0">
-            <a:spAutoFit/>
-          </a:bodyPr>
-          <a:lstStyle/>
-          <a:p>
-            <a:r>
-              <a:rPr lang="en-US" sz="2400" dirty="0">
-                <a:latin typeface="Agency FB" panose="020B0503020202020204" pitchFamily="34" charset="0"/>
-              </a:rPr>
-              <a:t>‘a’</a:t>
-            </a:r>
-          </a:p>
-        </p:txBody>
-      </p:sp>
-      <p:sp>
-        <p:nvSpPr>
-          <p:cNvPr id="10" name="TextBox 9">
-            <a:extLst>
-              <a:ext uri="{FF2B5EF4-FFF2-40B4-BE49-F238E27FC236}">
-                <a16:creationId xmlns:a16="http://schemas.microsoft.com/office/drawing/2014/main" id="{8A9C1D69-4F09-4C74-88D1-EF874A676B4D}"/>
-              </a:ext>
-            </a:extLst>
-          </p:cNvPr>
-          <p:cNvSpPr txBox="1"/>
-          <p:nvPr/>
-        </p:nvSpPr>
-        <p:spPr>
-          <a:xfrm>
-            <a:off x="6553200" y="1064029"/>
-            <a:ext cx="1216152" cy="461665"/>
-          </a:xfrm>
-          <a:prstGeom prst="rect">
-            <a:avLst/>
-          </a:prstGeom>
-          <a:solidFill>
-            <a:schemeClr val="accent2">
-              <a:lumMod val="60000"/>
-              <a:lumOff val="40000"/>
-            </a:schemeClr>
-          </a:solidFill>
-        </p:spPr>
-        <p:txBody>
-          <a:bodyPr wrap="square" rtlCol="0">
-            <a:spAutoFit/>
-          </a:bodyPr>
-          <a:lstStyle/>
-          <a:p>
-            <a:r>
-              <a:rPr lang="en-US" sz="2400" dirty="0">
-                <a:latin typeface="Agency FB" panose="020B0503020202020204" pitchFamily="34" charset="0"/>
-              </a:rPr>
-              <a:t>‘cell’</a:t>
-            </a:r>
-          </a:p>
-        </p:txBody>
-      </p:sp>
-      <p:sp>
-        <p:nvSpPr>
-          <p:cNvPr id="11" name="TextBox 10">
-            <a:extLst>
-              <a:ext uri="{FF2B5EF4-FFF2-40B4-BE49-F238E27FC236}">
-                <a16:creationId xmlns:a16="http://schemas.microsoft.com/office/drawing/2014/main" id="{5B064361-E501-4B83-BF77-61CA8E866EBB}"/>
-              </a:ext>
-            </a:extLst>
-          </p:cNvPr>
-          <p:cNvSpPr txBox="1"/>
-          <p:nvPr/>
-        </p:nvSpPr>
-        <p:spPr>
-          <a:xfrm>
-            <a:off x="7065264" y="1932709"/>
-            <a:ext cx="1216152" cy="461665"/>
-          </a:xfrm>
-          <a:prstGeom prst="rect">
-            <a:avLst/>
-          </a:prstGeom>
-          <a:solidFill>
-            <a:schemeClr val="accent2">
-              <a:lumMod val="60000"/>
-              <a:lumOff val="40000"/>
-            </a:schemeClr>
-          </a:solidFill>
-        </p:spPr>
-        <p:txBody>
-          <a:bodyPr wrap="square" rtlCol="0">
-            <a:spAutoFit/>
-          </a:bodyPr>
-          <a:lstStyle/>
-          <a:p>
-            <a:r>
-              <a:rPr lang="en-US" sz="2400" dirty="0">
-                <a:latin typeface="Agency FB" panose="020B0503020202020204" pitchFamily="34" charset="0"/>
-              </a:rPr>
-              <a:t>‘1’</a:t>
-            </a:r>
-          </a:p>
-        </p:txBody>
-      </p:sp>
-      <p:sp>
-        <p:nvSpPr>
-          <p:cNvPr id="12" name="TextBox 11">
-            <a:extLst>
-              <a:ext uri="{FF2B5EF4-FFF2-40B4-BE49-F238E27FC236}">
-                <a16:creationId xmlns:a16="http://schemas.microsoft.com/office/drawing/2014/main" id="{DA536AB1-4700-4BEF-8A68-31205B274BD6}"/>
-              </a:ext>
-            </a:extLst>
-          </p:cNvPr>
-          <p:cNvSpPr txBox="1"/>
-          <p:nvPr/>
-        </p:nvSpPr>
-        <p:spPr>
-          <a:xfrm>
-            <a:off x="7986453" y="445008"/>
-            <a:ext cx="1216152" cy="461665"/>
-          </a:xfrm>
-          <a:prstGeom prst="rect">
-            <a:avLst/>
-          </a:prstGeom>
-          <a:solidFill>
-            <a:schemeClr val="accent2">
-              <a:lumMod val="60000"/>
-              <a:lumOff val="40000"/>
-            </a:schemeClr>
-          </a:solidFill>
-        </p:spPr>
-        <p:txBody>
-          <a:bodyPr wrap="square" rtlCol="0">
-            <a:spAutoFit/>
-          </a:bodyPr>
-          <a:lstStyle/>
-          <a:p>
-            <a:r>
-              <a:rPr lang="en-US" sz="2400" dirty="0">
-                <a:latin typeface="Agency FB" panose="020B0503020202020204" pitchFamily="34" charset="0"/>
-              </a:rPr>
-              <a:t>Name</a:t>
-            </a:r>
-          </a:p>
-        </p:txBody>
-      </p:sp>
-      <p:sp>
-        <p:nvSpPr>
-          <p:cNvPr id="13" name="TextBox 12">
-            <a:extLst>
-              <a:ext uri="{FF2B5EF4-FFF2-40B4-BE49-F238E27FC236}">
-                <a16:creationId xmlns:a16="http://schemas.microsoft.com/office/drawing/2014/main" id="{C54E3ABF-388A-4E3D-9397-E2AF3DCBA3DA}"/>
-              </a:ext>
-            </a:extLst>
-          </p:cNvPr>
-          <p:cNvSpPr txBox="1"/>
-          <p:nvPr/>
-        </p:nvSpPr>
-        <p:spPr>
-          <a:xfrm>
-            <a:off x="8987028" y="1082855"/>
-            <a:ext cx="1216152" cy="461665"/>
-          </a:xfrm>
-          <a:prstGeom prst="rect">
-            <a:avLst/>
-          </a:prstGeom>
-          <a:solidFill>
-            <a:schemeClr val="accent2">
-              <a:lumMod val="60000"/>
-              <a:lumOff val="40000"/>
-            </a:schemeClr>
-          </a:solidFill>
-        </p:spPr>
-        <p:txBody>
-          <a:bodyPr wrap="square" rtlCol="0">
-            <a:spAutoFit/>
-          </a:bodyPr>
-          <a:lstStyle/>
-          <a:p>
-            <a:r>
-              <a:rPr lang="en-US" sz="2400" dirty="0">
-                <a:latin typeface="Agency FB" panose="020B0503020202020204" pitchFamily="34" charset="0"/>
-              </a:rPr>
-              <a:t>5</a:t>
-            </a:r>
-          </a:p>
-        </p:txBody>
-      </p:sp>
-      <p:sp>
-        <p:nvSpPr>
-          <p:cNvPr id="14" name="TextBox 13">
-            <a:extLst>
-              <a:ext uri="{FF2B5EF4-FFF2-40B4-BE49-F238E27FC236}">
-                <a16:creationId xmlns:a16="http://schemas.microsoft.com/office/drawing/2014/main" id="{4B39961B-050F-481D-9D5F-3BB34401EA78}"/>
-              </a:ext>
-            </a:extLst>
-          </p:cNvPr>
-          <p:cNvSpPr txBox="1"/>
-          <p:nvPr/>
-        </p:nvSpPr>
-        <p:spPr>
-          <a:xfrm>
-            <a:off x="1988820" y="793295"/>
-            <a:ext cx="1216152" cy="461665"/>
-          </a:xfrm>
-          <a:prstGeom prst="rect">
-            <a:avLst/>
-          </a:prstGeom>
-          <a:solidFill>
-            <a:schemeClr val="accent2">
-              <a:lumMod val="60000"/>
-              <a:lumOff val="40000"/>
-            </a:schemeClr>
-          </a:solidFill>
-        </p:spPr>
-        <p:txBody>
-          <a:bodyPr wrap="square" rtlCol="0">
-            <a:spAutoFit/>
-          </a:bodyPr>
-          <a:lstStyle/>
-          <a:p>
-            <a:r>
-              <a:rPr lang="en-US" sz="2400" dirty="0">
-                <a:latin typeface="Agency FB" panose="020B0503020202020204" pitchFamily="34" charset="0"/>
-              </a:rPr>
-              <a:t>ICECREAM</a:t>
-            </a:r>
+          <p:cNvPr id="2" name="Title 1">
+            <a:extLst>
+              <a:ext uri="{FF2B5EF4-FFF2-40B4-BE49-F238E27FC236}">
+                <a16:creationId xmlns:a16="http://schemas.microsoft.com/office/drawing/2014/main" id="{52EE3876-F4B0-4F29-9AAD-737A7D258149}"/>
+              </a:ext>
+            </a:extLst>
+          </p:cNvPr>
+          <p:cNvSpPr>
+            <a:spLocks noGrp="1"/>
+          </p:cNvSpPr>
+          <p:nvPr>
+            <p:ph type="title"/>
+          </p:nvPr>
+        </p:nvSpPr>
+        <p:spPr/>
+        <p:txBody>
+          <a:bodyPr/>
+          <a:lstStyle/>
+          <a:p>
+            <a:endParaRPr lang="en-US"/>
+          </a:p>
+        </p:txBody>
+      </p:sp>
+      <p:sp>
+        <p:nvSpPr>
+          <p:cNvPr id="3" name="Content Placeholder 2">
+            <a:extLst>
+              <a:ext uri="{FF2B5EF4-FFF2-40B4-BE49-F238E27FC236}">
+                <a16:creationId xmlns:a16="http://schemas.microsoft.com/office/drawing/2014/main" id="{B8FAC5D1-1994-4A8A-948E-9E40EE947E51}"/>
+              </a:ext>
+            </a:extLst>
+          </p:cNvPr>
+          <p:cNvSpPr>
+            <a:spLocks noGrp="1"/>
+          </p:cNvSpPr>
+          <p:nvPr>
+            <p:ph idx="1"/>
+          </p:nvPr>
+        </p:nvSpPr>
+        <p:spPr/>
+        <p:txBody>
+          <a:bodyPr/>
+          <a:lstStyle/>
+          <a:p>
+            <a:endParaRPr lang="en-US" dirty="0"/>
           </a:p>
         </p:txBody>
       </p:sp>
     </p:spTree>
     <p:extLst>
       <p:ext uri="{BB962C8B-B14F-4D97-AF65-F5344CB8AC3E}">
-        <p14:creationId xmlns:p14="http://schemas.microsoft.com/office/powerpoint/2010/main" val="4019394290"/>
+        <p14:creationId xmlns:p14="http://schemas.microsoft.com/office/powerpoint/2010/main" val="598394926"/>
       </p:ext>
     </p:extLst>
   </p:cSld>
